--- a/CS-374-Syllabus.pptx
+++ b/CS-374-Syllabus.pptx
@@ -600,6 +600,1013 @@
 </p:notes>
 </file>
 
+<file path=ppt/notesSlides/notesSlide10.xml><?xml version="1.0" encoding="utf-8"?>
+<p:notes xmlns:a="http://schemas.openxmlformats.org/drawingml/2006/main" xmlns:r="http://schemas.openxmlformats.org/officeDocument/2006/relationships" xmlns:p="http://schemas.openxmlformats.org/presentationml/2006/main">
+  <p:cSld>
+    <p:spTree>
+      <p:nvGrpSpPr>
+        <p:cNvPr id="1" name=""/>
+        <p:cNvGrpSpPr/>
+        <p:nvPr/>
+      </p:nvGrpSpPr>
+      <p:grpSpPr>
+        <a:xfrm>
+          <a:off x="0" y="0"/>
+          <a:ext cx="0" cy="0"/>
+          <a:chOff x="0" y="0"/>
+          <a:chExt cx="0" cy="0"/>
+        </a:xfrm>
+      </p:grpSpPr>
+      <p:sp>
+        <p:nvSpPr>
+          <p:cNvPr id="2" name="Slide Image Placeholder 1"/>
+          <p:cNvSpPr>
+            <a:spLocks noGrp="1" noRot="1" noChangeAspect="1"/>
+          </p:cNvSpPr>
+          <p:nvPr>
+            <p:ph type="sldImg"/>
+          </p:nvPr>
+        </p:nvSpPr>
+        <p:spPr/>
+      </p:sp>
+      <p:sp>
+        <p:nvSpPr>
+          <p:cNvPr id="3" name="Notes Placeholder 2"/>
+          <p:cNvSpPr>
+            <a:spLocks noGrp="1"/>
+          </p:cNvSpPr>
+          <p:nvPr>
+            <p:ph type="body" idx="1"/>
+          </p:nvPr>
+        </p:nvSpPr>
+        <p:spPr/>
+        <p:txBody>
+          <a:bodyPr/>
+          <a:lstStyle/>
+          <a:p>
+            <a:r>
+              <a:rPr lang="en-US" dirty="0"/>
+              <a:t>There's a book I highly recommend, weapons of math </a:t>
+            </a:r>
+            <a:r>
+              <a:rPr lang="en-US" dirty="0" err="1"/>
+              <a:t>desctruction</a:t>
+            </a:r>
+            <a:r>
+              <a:rPr lang="en-US" dirty="0"/>
+              <a:t> (show title). There's a quote there, which says, </a:t>
+            </a:r>
+          </a:p>
+          <a:p>
+            <a:endParaRPr lang="en-US" dirty="0"/>
+          </a:p>
+          <a:p>
+            <a:r>
+              <a:rPr lang="en-US" dirty="0"/>
+              <a:t>(big text)</a:t>
+            </a:r>
+          </a:p>
+          <a:p>
+            <a:r>
+              <a:rPr lang="en-US" dirty="0"/>
+              <a:t>An algorithm is an opinion formalized in code.</a:t>
+            </a:r>
+          </a:p>
+          <a:p>
+            <a:endParaRPr lang="en-US" dirty="0"/>
+          </a:p>
+          <a:p>
+            <a:r>
+              <a:rPr lang="en-US" dirty="0"/>
+              <a:t>these tools you use, the decisions you make in choosing which tools to use and how you use them, they're *your* decisions. </a:t>
+            </a:r>
+          </a:p>
+        </p:txBody>
+      </p:sp>
+      <p:sp>
+        <p:nvSpPr>
+          <p:cNvPr id="4" name="Slide Number Placeholder 3"/>
+          <p:cNvSpPr>
+            <a:spLocks noGrp="1"/>
+          </p:cNvSpPr>
+          <p:nvPr>
+            <p:ph type="sldNum" sz="quarter" idx="5"/>
+          </p:nvPr>
+        </p:nvSpPr>
+        <p:spPr/>
+        <p:txBody>
+          <a:bodyPr/>
+          <a:lstStyle/>
+          <a:p>
+            <a:fld id="{82B1F6B5-82FD-5A43-AA2F-B215362424A2}" type="slidenum">
+              <a:rPr lang="en-US" smtClean="0"/>
+              <a:t>25</a:t>
+            </a:fld>
+            <a:endParaRPr lang="en-US"/>
+          </a:p>
+        </p:txBody>
+      </p:sp>
+    </p:spTree>
+    <p:extLst>
+      <p:ext uri="{BB962C8B-B14F-4D97-AF65-F5344CB8AC3E}">
+        <p14:creationId xmlns:p14="http://schemas.microsoft.com/office/powerpoint/2010/main" val="356693793"/>
+      </p:ext>
+    </p:extLst>
+  </p:cSld>
+  <p:clrMapOvr>
+    <a:masterClrMapping/>
+  </p:clrMapOvr>
+</p:notes>
+</file>
+
+<file path=ppt/notesSlides/notesSlide11.xml><?xml version="1.0" encoding="utf-8"?>
+<p:notes xmlns:a="http://schemas.openxmlformats.org/drawingml/2006/main" xmlns:r="http://schemas.openxmlformats.org/officeDocument/2006/relationships" xmlns:p="http://schemas.openxmlformats.org/presentationml/2006/main">
+  <p:cSld>
+    <p:spTree>
+      <p:nvGrpSpPr>
+        <p:cNvPr id="1" name=""/>
+        <p:cNvGrpSpPr/>
+        <p:nvPr/>
+      </p:nvGrpSpPr>
+      <p:grpSpPr>
+        <a:xfrm>
+          <a:off x="0" y="0"/>
+          <a:ext cx="0" cy="0"/>
+          <a:chOff x="0" y="0"/>
+          <a:chExt cx="0" cy="0"/>
+        </a:xfrm>
+      </p:grpSpPr>
+      <p:sp>
+        <p:nvSpPr>
+          <p:cNvPr id="2" name="Slide Image Placeholder 1"/>
+          <p:cNvSpPr>
+            <a:spLocks noGrp="1" noRot="1" noChangeAspect="1"/>
+          </p:cNvSpPr>
+          <p:nvPr>
+            <p:ph type="sldImg"/>
+          </p:nvPr>
+        </p:nvSpPr>
+        <p:spPr/>
+      </p:sp>
+      <p:sp>
+        <p:nvSpPr>
+          <p:cNvPr id="3" name="Notes Placeholder 2"/>
+          <p:cNvSpPr>
+            <a:spLocks noGrp="1"/>
+          </p:cNvSpPr>
+          <p:nvPr>
+            <p:ph type="body" idx="1"/>
+          </p:nvPr>
+        </p:nvSpPr>
+        <p:spPr/>
+        <p:txBody>
+          <a:bodyPr/>
+          <a:lstStyle/>
+          <a:p>
+            <a:r>
+              <a:rPr lang="en-US" dirty="0"/>
+              <a:t>Which brings me to my next point: How will you be evaluated in this class?</a:t>
+            </a:r>
+          </a:p>
+          <a:p>
+            <a:endParaRPr lang="en-US" dirty="0"/>
+          </a:p>
+          <a:p>
+            <a:r>
+              <a:rPr lang="en-US" dirty="0"/>
+              <a:t>There are few wrong answers in this class.</a:t>
+            </a:r>
+          </a:p>
+          <a:p>
+            <a:r>
+              <a:rPr lang="en-US" dirty="0"/>
+              <a:t>...there are simply less good answers.</a:t>
+            </a:r>
+          </a:p>
+          <a:p>
+            <a:endParaRPr lang="en-US" dirty="0"/>
+          </a:p>
+          <a:p>
+            <a:r>
+              <a:rPr lang="en-US" dirty="0"/>
+              <a:t>In solving my scheduling problem, I may have chosen to put it into a </a:t>
+            </a:r>
+            <a:r>
+              <a:rPr lang="en-US" dirty="0" err="1"/>
+              <a:t>hashmap</a:t>
+            </a:r>
+            <a:r>
+              <a:rPr lang="en-US" dirty="0"/>
+              <a:t>, where the priority is the key. Then I choose </a:t>
+            </a:r>
+            <a:r>
+              <a:rPr lang="en-US" dirty="0" err="1"/>
+              <a:t>blaahblahblah</a:t>
+            </a:r>
+            <a:r>
+              <a:rPr lang="en-US" dirty="0"/>
+              <a:t>.</a:t>
+            </a:r>
+          </a:p>
+        </p:txBody>
+      </p:sp>
+      <p:sp>
+        <p:nvSpPr>
+          <p:cNvPr id="4" name="Slide Number Placeholder 3"/>
+          <p:cNvSpPr>
+            <a:spLocks noGrp="1"/>
+          </p:cNvSpPr>
+          <p:nvPr>
+            <p:ph type="sldNum" sz="quarter" idx="5"/>
+          </p:nvPr>
+        </p:nvSpPr>
+        <p:spPr/>
+        <p:txBody>
+          <a:bodyPr/>
+          <a:lstStyle/>
+          <a:p>
+            <a:fld id="{82B1F6B5-82FD-5A43-AA2F-B215362424A2}" type="slidenum">
+              <a:rPr lang="en-US" smtClean="0"/>
+              <a:t>26</a:t>
+            </a:fld>
+            <a:endParaRPr lang="en-US"/>
+          </a:p>
+        </p:txBody>
+      </p:sp>
+    </p:spTree>
+    <p:extLst>
+      <p:ext uri="{BB962C8B-B14F-4D97-AF65-F5344CB8AC3E}">
+        <p14:creationId xmlns:p14="http://schemas.microsoft.com/office/powerpoint/2010/main" val="1112711721"/>
+      </p:ext>
+    </p:extLst>
+  </p:cSld>
+  <p:clrMapOvr>
+    <a:masterClrMapping/>
+  </p:clrMapOvr>
+</p:notes>
+</file>
+
+<file path=ppt/notesSlides/notesSlide12.xml><?xml version="1.0" encoding="utf-8"?>
+<p:notes xmlns:a="http://schemas.openxmlformats.org/drawingml/2006/main" xmlns:r="http://schemas.openxmlformats.org/officeDocument/2006/relationships" xmlns:p="http://schemas.openxmlformats.org/presentationml/2006/main">
+  <p:cSld>
+    <p:spTree>
+      <p:nvGrpSpPr>
+        <p:cNvPr id="1" name=""/>
+        <p:cNvGrpSpPr/>
+        <p:nvPr/>
+      </p:nvGrpSpPr>
+      <p:grpSpPr>
+        <a:xfrm>
+          <a:off x="0" y="0"/>
+          <a:ext cx="0" cy="0"/>
+          <a:chOff x="0" y="0"/>
+          <a:chExt cx="0" cy="0"/>
+        </a:xfrm>
+      </p:grpSpPr>
+      <p:sp>
+        <p:nvSpPr>
+          <p:cNvPr id="2" name="Slide Image Placeholder 1"/>
+          <p:cNvSpPr>
+            <a:spLocks noGrp="1" noRot="1" noChangeAspect="1"/>
+          </p:cNvSpPr>
+          <p:nvPr>
+            <p:ph type="sldImg"/>
+          </p:nvPr>
+        </p:nvSpPr>
+        <p:spPr/>
+      </p:sp>
+      <p:sp>
+        <p:nvSpPr>
+          <p:cNvPr id="3" name="Notes Placeholder 2"/>
+          <p:cNvSpPr>
+            <a:spLocks noGrp="1"/>
+          </p:cNvSpPr>
+          <p:nvPr>
+            <p:ph type="body" idx="1"/>
+          </p:nvPr>
+        </p:nvSpPr>
+        <p:spPr/>
+        <p:txBody>
+          <a:bodyPr/>
+          <a:lstStyle/>
+          <a:p>
+            <a:r>
+              <a:rPr lang="en-US" dirty="0"/>
+              <a:t>**Specificity** is a key thing to work on. In solving an algorithmic problem, what has been stated to be important? What could be inferred to be important? what has not been explicitly stated but critically affects a good solution to the problem?</a:t>
+            </a:r>
+          </a:p>
+          <a:p>
+            <a:endParaRPr lang="en-US" dirty="0"/>
+          </a:p>
+          <a:p>
+            <a:r>
+              <a:rPr lang="en-US" dirty="0"/>
+              <a:t>This class has broad questions. </a:t>
+            </a:r>
+          </a:p>
+          <a:p>
+            <a:r>
+              <a:rPr lang="en-US" dirty="0"/>
+              <a:t>But your solutions must be specific. You must read between the lines to answer the questions and solve problems. You must investigate. You must be close readers. You must use your brain. </a:t>
+            </a:r>
+          </a:p>
+        </p:txBody>
+      </p:sp>
+      <p:sp>
+        <p:nvSpPr>
+          <p:cNvPr id="4" name="Slide Number Placeholder 3"/>
+          <p:cNvSpPr>
+            <a:spLocks noGrp="1"/>
+          </p:cNvSpPr>
+          <p:nvPr>
+            <p:ph type="sldNum" sz="quarter" idx="5"/>
+          </p:nvPr>
+        </p:nvSpPr>
+        <p:spPr/>
+        <p:txBody>
+          <a:bodyPr/>
+          <a:lstStyle/>
+          <a:p>
+            <a:fld id="{82B1F6B5-82FD-5A43-AA2F-B215362424A2}" type="slidenum">
+              <a:rPr lang="en-US" smtClean="0"/>
+              <a:t>27</a:t>
+            </a:fld>
+            <a:endParaRPr lang="en-US"/>
+          </a:p>
+        </p:txBody>
+      </p:sp>
+    </p:spTree>
+    <p:extLst>
+      <p:ext uri="{BB962C8B-B14F-4D97-AF65-F5344CB8AC3E}">
+        <p14:creationId xmlns:p14="http://schemas.microsoft.com/office/powerpoint/2010/main" val="3246598535"/>
+      </p:ext>
+    </p:extLst>
+  </p:cSld>
+  <p:clrMapOvr>
+    <a:masterClrMapping/>
+  </p:clrMapOvr>
+</p:notes>
+</file>
+
+<file path=ppt/notesSlides/notesSlide13.xml><?xml version="1.0" encoding="utf-8"?>
+<p:notes xmlns:a="http://schemas.openxmlformats.org/drawingml/2006/main" xmlns:r="http://schemas.openxmlformats.org/officeDocument/2006/relationships" xmlns:p="http://schemas.openxmlformats.org/presentationml/2006/main">
+  <p:cSld>
+    <p:spTree>
+      <p:nvGrpSpPr>
+        <p:cNvPr id="1" name=""/>
+        <p:cNvGrpSpPr/>
+        <p:nvPr/>
+      </p:nvGrpSpPr>
+      <p:grpSpPr>
+        <a:xfrm>
+          <a:off x="0" y="0"/>
+          <a:ext cx="0" cy="0"/>
+          <a:chOff x="0" y="0"/>
+          <a:chExt cx="0" cy="0"/>
+        </a:xfrm>
+      </p:grpSpPr>
+      <p:sp>
+        <p:nvSpPr>
+          <p:cNvPr id="2" name="Slide Image Placeholder 1"/>
+          <p:cNvSpPr>
+            <a:spLocks noGrp="1" noRot="1" noChangeAspect="1"/>
+          </p:cNvSpPr>
+          <p:nvPr>
+            <p:ph type="sldImg"/>
+          </p:nvPr>
+        </p:nvSpPr>
+        <p:spPr/>
+      </p:sp>
+      <p:sp>
+        <p:nvSpPr>
+          <p:cNvPr id="3" name="Notes Placeholder 2"/>
+          <p:cNvSpPr>
+            <a:spLocks noGrp="1"/>
+          </p:cNvSpPr>
+          <p:nvPr>
+            <p:ph type="body" idx="1"/>
+          </p:nvPr>
+        </p:nvSpPr>
+        <p:spPr/>
+        <p:txBody>
+          <a:bodyPr/>
+          <a:lstStyle/>
+          <a:p>
+            <a:r>
+              <a:rPr lang="en-US" dirty="0"/>
+              <a:t>You saw this at the end of 222, and you will see it again here:</a:t>
+            </a:r>
+          </a:p>
+          <a:p>
+            <a:endParaRPr lang="en-US" dirty="0"/>
+          </a:p>
+        </p:txBody>
+      </p:sp>
+      <p:sp>
+        <p:nvSpPr>
+          <p:cNvPr id="4" name="Slide Number Placeholder 3"/>
+          <p:cNvSpPr>
+            <a:spLocks noGrp="1"/>
+          </p:cNvSpPr>
+          <p:nvPr>
+            <p:ph type="sldNum" sz="quarter" idx="5"/>
+          </p:nvPr>
+        </p:nvSpPr>
+        <p:spPr/>
+        <p:txBody>
+          <a:bodyPr/>
+          <a:lstStyle/>
+          <a:p>
+            <a:fld id="{82B1F6B5-82FD-5A43-AA2F-B215362424A2}" type="slidenum">
+              <a:rPr lang="en-US" smtClean="0"/>
+              <a:t>31</a:t>
+            </a:fld>
+            <a:endParaRPr lang="en-US"/>
+          </a:p>
+        </p:txBody>
+      </p:sp>
+    </p:spTree>
+    <p:extLst>
+      <p:ext uri="{BB962C8B-B14F-4D97-AF65-F5344CB8AC3E}">
+        <p14:creationId xmlns:p14="http://schemas.microsoft.com/office/powerpoint/2010/main" val="2464866545"/>
+      </p:ext>
+    </p:extLst>
+  </p:cSld>
+  <p:clrMapOvr>
+    <a:masterClrMapping/>
+  </p:clrMapOvr>
+</p:notes>
+</file>
+
+<file path=ppt/notesSlides/notesSlide14.xml><?xml version="1.0" encoding="utf-8"?>
+<p:notes xmlns:a="http://schemas.openxmlformats.org/drawingml/2006/main" xmlns:r="http://schemas.openxmlformats.org/officeDocument/2006/relationships" xmlns:p="http://schemas.openxmlformats.org/presentationml/2006/main">
+  <p:cSld>
+    <p:spTree>
+      <p:nvGrpSpPr>
+        <p:cNvPr id="1" name=""/>
+        <p:cNvGrpSpPr/>
+        <p:nvPr/>
+      </p:nvGrpSpPr>
+      <p:grpSpPr>
+        <a:xfrm>
+          <a:off x="0" y="0"/>
+          <a:ext cx="0" cy="0"/>
+          <a:chOff x="0" y="0"/>
+          <a:chExt cx="0" cy="0"/>
+        </a:xfrm>
+      </p:grpSpPr>
+      <p:sp>
+        <p:nvSpPr>
+          <p:cNvPr id="2" name="Slide Image Placeholder 1"/>
+          <p:cNvSpPr>
+            <a:spLocks noGrp="1" noRot="1" noChangeAspect="1"/>
+          </p:cNvSpPr>
+          <p:nvPr>
+            <p:ph type="sldImg"/>
+          </p:nvPr>
+        </p:nvSpPr>
+        <p:spPr/>
+      </p:sp>
+      <p:sp>
+        <p:nvSpPr>
+          <p:cNvPr id="3" name="Notes Placeholder 2"/>
+          <p:cNvSpPr>
+            <a:spLocks noGrp="1"/>
+          </p:cNvSpPr>
+          <p:nvPr>
+            <p:ph type="body" idx="1"/>
+          </p:nvPr>
+        </p:nvSpPr>
+        <p:spPr/>
+        <p:txBody>
+          <a:bodyPr/>
+          <a:lstStyle/>
+          <a:p>
+            <a:r>
+              <a:rPr lang="en-US" dirty="0"/>
+              <a:t>We have measures for algorithm and data structure efficiency. That is our measure, the way we choose to say what is good or bad. </a:t>
+            </a:r>
+          </a:p>
+        </p:txBody>
+      </p:sp>
+      <p:sp>
+        <p:nvSpPr>
+          <p:cNvPr id="4" name="Slide Number Placeholder 3"/>
+          <p:cNvSpPr>
+            <a:spLocks noGrp="1"/>
+          </p:cNvSpPr>
+          <p:nvPr>
+            <p:ph type="sldNum" sz="quarter" idx="5"/>
+          </p:nvPr>
+        </p:nvSpPr>
+        <p:spPr/>
+        <p:txBody>
+          <a:bodyPr/>
+          <a:lstStyle/>
+          <a:p>
+            <a:fld id="{82B1F6B5-82FD-5A43-AA2F-B215362424A2}" type="slidenum">
+              <a:rPr lang="en-US" smtClean="0"/>
+              <a:t>32</a:t>
+            </a:fld>
+            <a:endParaRPr lang="en-US"/>
+          </a:p>
+        </p:txBody>
+      </p:sp>
+    </p:spTree>
+    <p:extLst>
+      <p:ext uri="{BB962C8B-B14F-4D97-AF65-F5344CB8AC3E}">
+        <p14:creationId xmlns:p14="http://schemas.microsoft.com/office/powerpoint/2010/main" val="2650108726"/>
+      </p:ext>
+    </p:extLst>
+  </p:cSld>
+  <p:clrMapOvr>
+    <a:masterClrMapping/>
+  </p:clrMapOvr>
+</p:notes>
+</file>
+
+<file path=ppt/notesSlides/notesSlide15.xml><?xml version="1.0" encoding="utf-8"?>
+<p:notes xmlns:a="http://schemas.openxmlformats.org/drawingml/2006/main" xmlns:r="http://schemas.openxmlformats.org/officeDocument/2006/relationships" xmlns:p="http://schemas.openxmlformats.org/presentationml/2006/main">
+  <p:cSld>
+    <p:spTree>
+      <p:nvGrpSpPr>
+        <p:cNvPr id="1" name=""/>
+        <p:cNvGrpSpPr/>
+        <p:nvPr/>
+      </p:nvGrpSpPr>
+      <p:grpSpPr>
+        <a:xfrm>
+          <a:off x="0" y="0"/>
+          <a:ext cx="0" cy="0"/>
+          <a:chOff x="0" y="0"/>
+          <a:chExt cx="0" cy="0"/>
+        </a:xfrm>
+      </p:grpSpPr>
+      <p:sp>
+        <p:nvSpPr>
+          <p:cNvPr id="2" name="Slide Image Placeholder 1"/>
+          <p:cNvSpPr>
+            <a:spLocks noGrp="1" noRot="1" noChangeAspect="1"/>
+          </p:cNvSpPr>
+          <p:nvPr>
+            <p:ph type="sldImg"/>
+          </p:nvPr>
+        </p:nvSpPr>
+        <p:spPr/>
+      </p:sp>
+      <p:sp>
+        <p:nvSpPr>
+          <p:cNvPr id="3" name="Notes Placeholder 2"/>
+          <p:cNvSpPr>
+            <a:spLocks noGrp="1"/>
+          </p:cNvSpPr>
+          <p:nvPr>
+            <p:ph type="body" idx="1"/>
+          </p:nvPr>
+        </p:nvSpPr>
+        <p:spPr/>
+        <p:txBody>
+          <a:bodyPr/>
+          <a:lstStyle/>
+          <a:p>
+            <a:r>
+              <a:rPr lang="en-US" dirty="0"/>
+              <a:t>Example: you give a solution that is, in the long term, worse off than one your neighbor gives. If both of these algorithms are correct, your neighbor would get most of the points, while you get less points. Even if it accomplishes the goal, your answer is not wrong. It's just not as good as it could have been. </a:t>
+            </a:r>
+          </a:p>
+        </p:txBody>
+      </p:sp>
+      <p:sp>
+        <p:nvSpPr>
+          <p:cNvPr id="4" name="Slide Number Placeholder 3"/>
+          <p:cNvSpPr>
+            <a:spLocks noGrp="1"/>
+          </p:cNvSpPr>
+          <p:nvPr>
+            <p:ph type="sldNum" sz="quarter" idx="5"/>
+          </p:nvPr>
+        </p:nvSpPr>
+        <p:spPr/>
+        <p:txBody>
+          <a:bodyPr/>
+          <a:lstStyle/>
+          <a:p>
+            <a:fld id="{82B1F6B5-82FD-5A43-AA2F-B215362424A2}" type="slidenum">
+              <a:rPr lang="en-US" smtClean="0"/>
+              <a:t>33</a:t>
+            </a:fld>
+            <a:endParaRPr lang="en-US"/>
+          </a:p>
+        </p:txBody>
+      </p:sp>
+    </p:spTree>
+    <p:extLst>
+      <p:ext uri="{BB962C8B-B14F-4D97-AF65-F5344CB8AC3E}">
+        <p14:creationId xmlns:p14="http://schemas.microsoft.com/office/powerpoint/2010/main" val="2571145044"/>
+      </p:ext>
+    </p:extLst>
+  </p:cSld>
+  <p:clrMapOvr>
+    <a:masterClrMapping/>
+  </p:clrMapOvr>
+</p:notes>
+</file>
+
+<file path=ppt/notesSlides/notesSlide16.xml><?xml version="1.0" encoding="utf-8"?>
+<p:notes xmlns:a="http://schemas.openxmlformats.org/drawingml/2006/main" xmlns:r="http://schemas.openxmlformats.org/officeDocument/2006/relationships" xmlns:p="http://schemas.openxmlformats.org/presentationml/2006/main">
+  <p:cSld>
+    <p:spTree>
+      <p:nvGrpSpPr>
+        <p:cNvPr id="1" name=""/>
+        <p:cNvGrpSpPr/>
+        <p:nvPr/>
+      </p:nvGrpSpPr>
+      <p:grpSpPr>
+        <a:xfrm>
+          <a:off x="0" y="0"/>
+          <a:ext cx="0" cy="0"/>
+          <a:chOff x="0" y="0"/>
+          <a:chExt cx="0" cy="0"/>
+        </a:xfrm>
+      </p:grpSpPr>
+      <p:sp>
+        <p:nvSpPr>
+          <p:cNvPr id="2" name="Slide Image Placeholder 1"/>
+          <p:cNvSpPr>
+            <a:spLocks noGrp="1" noRot="1" noChangeAspect="1"/>
+          </p:cNvSpPr>
+          <p:nvPr>
+            <p:ph type="sldImg"/>
+          </p:nvPr>
+        </p:nvSpPr>
+        <p:spPr/>
+      </p:sp>
+      <p:sp>
+        <p:nvSpPr>
+          <p:cNvPr id="3" name="Notes Placeholder 2"/>
+          <p:cNvSpPr>
+            <a:spLocks noGrp="1"/>
+          </p:cNvSpPr>
+          <p:nvPr>
+            <p:ph type="body" idx="1"/>
+          </p:nvPr>
+        </p:nvSpPr>
+        <p:spPr/>
+        <p:txBody>
+          <a:bodyPr/>
+          <a:lstStyle/>
+          <a:p>
+            <a:r>
+              <a:rPr lang="en-US" dirty="0"/>
+              <a:t>So I warn you ahead of time: </a:t>
+            </a:r>
+          </a:p>
+          <a:p>
+            <a:r>
+              <a:rPr lang="en-US" dirty="0"/>
+              <a:t>Your answers must be correct and </a:t>
+            </a:r>
+            <a:r>
+              <a:rPr lang="en-US" dirty="0" err="1"/>
+              <a:t>thezy</a:t>
+            </a:r>
+            <a:r>
+              <a:rPr lang="en-US" dirty="0"/>
+              <a:t> must be efficient. z</a:t>
+            </a:r>
+          </a:p>
+          <a:p>
+            <a:endParaRPr lang="en-US" dirty="0"/>
+          </a:p>
+          <a:p>
+            <a:endParaRPr lang="en-US" dirty="0"/>
+          </a:p>
+          <a:p>
+            <a:r>
+              <a:rPr lang="en-US" dirty="0"/>
+              <a:t>if you present a solution that is different from intended, but gets the job done adequately, in the targeted efficiency range, you'll get most of the points. </a:t>
+            </a:r>
+          </a:p>
+          <a:p>
+            <a:endParaRPr lang="en-US" dirty="0"/>
+          </a:p>
+        </p:txBody>
+      </p:sp>
+      <p:sp>
+        <p:nvSpPr>
+          <p:cNvPr id="4" name="Slide Number Placeholder 3"/>
+          <p:cNvSpPr>
+            <a:spLocks noGrp="1"/>
+          </p:cNvSpPr>
+          <p:nvPr>
+            <p:ph type="sldNum" sz="quarter" idx="5"/>
+          </p:nvPr>
+        </p:nvSpPr>
+        <p:spPr/>
+        <p:txBody>
+          <a:bodyPr/>
+          <a:lstStyle/>
+          <a:p>
+            <a:fld id="{82B1F6B5-82FD-5A43-AA2F-B215362424A2}" type="slidenum">
+              <a:rPr lang="en-US" smtClean="0"/>
+              <a:t>34</a:t>
+            </a:fld>
+            <a:endParaRPr lang="en-US"/>
+          </a:p>
+        </p:txBody>
+      </p:sp>
+    </p:spTree>
+    <p:extLst>
+      <p:ext uri="{BB962C8B-B14F-4D97-AF65-F5344CB8AC3E}">
+        <p14:creationId xmlns:p14="http://schemas.microsoft.com/office/powerpoint/2010/main" val="3432838755"/>
+      </p:ext>
+    </p:extLst>
+  </p:cSld>
+  <p:clrMapOvr>
+    <a:masterClrMapping/>
+  </p:clrMapOvr>
+</p:notes>
+</file>
+
+<file path=ppt/notesSlides/notesSlide17.xml><?xml version="1.0" encoding="utf-8"?>
+<p:notes xmlns:a="http://schemas.openxmlformats.org/drawingml/2006/main" xmlns:r="http://schemas.openxmlformats.org/officeDocument/2006/relationships" xmlns:p="http://schemas.openxmlformats.org/presentationml/2006/main">
+  <p:cSld>
+    <p:spTree>
+      <p:nvGrpSpPr>
+        <p:cNvPr id="1" name=""/>
+        <p:cNvGrpSpPr/>
+        <p:nvPr/>
+      </p:nvGrpSpPr>
+      <p:grpSpPr>
+        <a:xfrm>
+          <a:off x="0" y="0"/>
+          <a:ext cx="0" cy="0"/>
+          <a:chOff x="0" y="0"/>
+          <a:chExt cx="0" cy="0"/>
+        </a:xfrm>
+      </p:grpSpPr>
+      <p:sp>
+        <p:nvSpPr>
+          <p:cNvPr id="2" name="Slide Image Placeholder 1"/>
+          <p:cNvSpPr>
+            <a:spLocks noGrp="1" noRot="1" noChangeAspect="1"/>
+          </p:cNvSpPr>
+          <p:nvPr>
+            <p:ph type="sldImg"/>
+          </p:nvPr>
+        </p:nvSpPr>
+        <p:spPr/>
+      </p:sp>
+      <p:sp>
+        <p:nvSpPr>
+          <p:cNvPr id="3" name="Notes Placeholder 2"/>
+          <p:cNvSpPr>
+            <a:spLocks noGrp="1"/>
+          </p:cNvSpPr>
+          <p:nvPr>
+            <p:ph type="body" idx="1"/>
+          </p:nvPr>
+        </p:nvSpPr>
+        <p:spPr/>
+        <p:txBody>
+          <a:bodyPr/>
+          <a:lstStyle/>
+          <a:p>
+            <a:r>
+              <a:rPr lang="en-US" dirty="0"/>
+              <a:t>This is not (quite) a class on how to write. It is a crucible, a way for you to practice writing and presenting your code, and your algorithms in general.</a:t>
+            </a:r>
+          </a:p>
+        </p:txBody>
+      </p:sp>
+      <p:sp>
+        <p:nvSpPr>
+          <p:cNvPr id="4" name="Slide Number Placeholder 3"/>
+          <p:cNvSpPr>
+            <a:spLocks noGrp="1"/>
+          </p:cNvSpPr>
+          <p:nvPr>
+            <p:ph type="sldNum" sz="quarter" idx="5"/>
+          </p:nvPr>
+        </p:nvSpPr>
+        <p:spPr/>
+        <p:txBody>
+          <a:bodyPr/>
+          <a:lstStyle/>
+          <a:p>
+            <a:fld id="{82B1F6B5-82FD-5A43-AA2F-B215362424A2}" type="slidenum">
+              <a:rPr lang="en-US" smtClean="0"/>
+              <a:t>36</a:t>
+            </a:fld>
+            <a:endParaRPr lang="en-US"/>
+          </a:p>
+        </p:txBody>
+      </p:sp>
+    </p:spTree>
+    <p:extLst>
+      <p:ext uri="{BB962C8B-B14F-4D97-AF65-F5344CB8AC3E}">
+        <p14:creationId xmlns:p14="http://schemas.microsoft.com/office/powerpoint/2010/main" val="706602004"/>
+      </p:ext>
+    </p:extLst>
+  </p:cSld>
+  <p:clrMapOvr>
+    <a:masterClrMapping/>
+  </p:clrMapOvr>
+</p:notes>
+</file>
+
+<file path=ppt/notesSlides/notesSlide18.xml><?xml version="1.0" encoding="utf-8"?>
+<p:notes xmlns:a="http://schemas.openxmlformats.org/drawingml/2006/main" xmlns:r="http://schemas.openxmlformats.org/officeDocument/2006/relationships" xmlns:p="http://schemas.openxmlformats.org/presentationml/2006/main">
+  <p:cSld>
+    <p:spTree>
+      <p:nvGrpSpPr>
+        <p:cNvPr id="1" name=""/>
+        <p:cNvGrpSpPr/>
+        <p:nvPr/>
+      </p:nvGrpSpPr>
+      <p:grpSpPr>
+        <a:xfrm>
+          <a:off x="0" y="0"/>
+          <a:ext cx="0" cy="0"/>
+          <a:chOff x="0" y="0"/>
+          <a:chExt cx="0" cy="0"/>
+        </a:xfrm>
+      </p:grpSpPr>
+      <p:sp>
+        <p:nvSpPr>
+          <p:cNvPr id="2" name="Slide Image Placeholder 1"/>
+          <p:cNvSpPr>
+            <a:spLocks noGrp="1" noRot="1" noChangeAspect="1"/>
+          </p:cNvSpPr>
+          <p:nvPr>
+            <p:ph type="sldImg"/>
+          </p:nvPr>
+        </p:nvSpPr>
+        <p:spPr/>
+      </p:sp>
+      <p:sp>
+        <p:nvSpPr>
+          <p:cNvPr id="3" name="Notes Placeholder 2"/>
+          <p:cNvSpPr>
+            <a:spLocks noGrp="1"/>
+          </p:cNvSpPr>
+          <p:nvPr>
+            <p:ph type="body" idx="1"/>
+          </p:nvPr>
+        </p:nvSpPr>
+        <p:spPr/>
+        <p:txBody>
+          <a:bodyPr/>
+          <a:lstStyle/>
+          <a:p>
+            <a:r>
+              <a:rPr lang="en-US" dirty="0"/>
+              <a:t>Not just coding:</a:t>
+            </a:r>
+          </a:p>
+          <a:p>
+            <a:r>
+              <a:rPr lang="en-US" dirty="0"/>
+              <a:t>The goal of this class is for you to understand the workings of algorithms. Yes, it's important to know how to implement things. But in industry and elsewhere, it's not _just_ about the code you write. It's also about your ability to explain it to peers, managers, and people with no prior knowledge. </a:t>
+            </a:r>
+          </a:p>
+          <a:p>
+            <a:endParaRPr lang="en-US" dirty="0"/>
+          </a:p>
+          <a:p>
+            <a:r>
+              <a:rPr lang="en-US" dirty="0"/>
+              <a:t>If you do coding interviews, they'll want to know that you can succinctly explain things. It's also a practice in figuring out what information to include, and what information to not include for the sake of clarity. These are important skills I hope you develop this semester.</a:t>
+            </a:r>
+          </a:p>
+          <a:p>
+            <a:endParaRPr lang="en-US" dirty="0"/>
+          </a:p>
+        </p:txBody>
+      </p:sp>
+      <p:sp>
+        <p:nvSpPr>
+          <p:cNvPr id="4" name="Slide Number Placeholder 3"/>
+          <p:cNvSpPr>
+            <a:spLocks noGrp="1"/>
+          </p:cNvSpPr>
+          <p:nvPr>
+            <p:ph type="sldNum" sz="quarter" idx="5"/>
+          </p:nvPr>
+        </p:nvSpPr>
+        <p:spPr/>
+        <p:txBody>
+          <a:bodyPr/>
+          <a:lstStyle/>
+          <a:p>
+            <a:fld id="{82B1F6B5-82FD-5A43-AA2F-B215362424A2}" type="slidenum">
+              <a:rPr lang="en-US" smtClean="0"/>
+              <a:t>37</a:t>
+            </a:fld>
+            <a:endParaRPr lang="en-US"/>
+          </a:p>
+        </p:txBody>
+      </p:sp>
+    </p:spTree>
+    <p:extLst>
+      <p:ext uri="{BB962C8B-B14F-4D97-AF65-F5344CB8AC3E}">
+        <p14:creationId xmlns:p14="http://schemas.microsoft.com/office/powerpoint/2010/main" val="4189649639"/>
+      </p:ext>
+    </p:extLst>
+  </p:cSld>
+  <p:clrMapOvr>
+    <a:masterClrMapping/>
+  </p:clrMapOvr>
+</p:notes>
+</file>
+
+<file path=ppt/notesSlides/notesSlide19.xml><?xml version="1.0" encoding="utf-8"?>
+<p:notes xmlns:a="http://schemas.openxmlformats.org/drawingml/2006/main" xmlns:r="http://schemas.openxmlformats.org/officeDocument/2006/relationships" xmlns:p="http://schemas.openxmlformats.org/presentationml/2006/main">
+  <p:cSld>
+    <p:spTree>
+      <p:nvGrpSpPr>
+        <p:cNvPr id="1" name=""/>
+        <p:cNvGrpSpPr/>
+        <p:nvPr/>
+      </p:nvGrpSpPr>
+      <p:grpSpPr>
+        <a:xfrm>
+          <a:off x="0" y="0"/>
+          <a:ext cx="0" cy="0"/>
+          <a:chOff x="0" y="0"/>
+          <a:chExt cx="0" cy="0"/>
+        </a:xfrm>
+      </p:grpSpPr>
+      <p:sp>
+        <p:nvSpPr>
+          <p:cNvPr id="2" name="Slide Image Placeholder 1"/>
+          <p:cNvSpPr>
+            <a:spLocks noGrp="1" noRot="1" noChangeAspect="1"/>
+          </p:cNvSpPr>
+          <p:nvPr>
+            <p:ph type="sldImg"/>
+          </p:nvPr>
+        </p:nvSpPr>
+        <p:spPr/>
+      </p:sp>
+      <p:sp>
+        <p:nvSpPr>
+          <p:cNvPr id="3" name="Notes Placeholder 2"/>
+          <p:cNvSpPr>
+            <a:spLocks noGrp="1"/>
+          </p:cNvSpPr>
+          <p:nvPr>
+            <p:ph type="body" idx="1"/>
+          </p:nvPr>
+        </p:nvSpPr>
+        <p:spPr/>
+        <p:txBody>
+          <a:bodyPr/>
+          <a:lstStyle/>
+          <a:p>
+            <a:r>
+              <a:rPr lang="en-US" dirty="0"/>
+              <a:t>Learning, especially in computer science, is about stretching yourself to do things you are unfamiliar with. It sucks, but it's really really important.</a:t>
+            </a:r>
+          </a:p>
+        </p:txBody>
+      </p:sp>
+      <p:sp>
+        <p:nvSpPr>
+          <p:cNvPr id="4" name="Slide Number Placeholder 3"/>
+          <p:cNvSpPr>
+            <a:spLocks noGrp="1"/>
+          </p:cNvSpPr>
+          <p:nvPr>
+            <p:ph type="sldNum" sz="quarter" idx="5"/>
+          </p:nvPr>
+        </p:nvSpPr>
+        <p:spPr/>
+        <p:txBody>
+          <a:bodyPr/>
+          <a:lstStyle/>
+          <a:p>
+            <a:fld id="{82B1F6B5-82FD-5A43-AA2F-B215362424A2}" type="slidenum">
+              <a:rPr lang="en-US" smtClean="0"/>
+              <a:t>38</a:t>
+            </a:fld>
+            <a:endParaRPr lang="en-US"/>
+          </a:p>
+        </p:txBody>
+      </p:sp>
+    </p:spTree>
+    <p:extLst>
+      <p:ext uri="{BB962C8B-B14F-4D97-AF65-F5344CB8AC3E}">
+        <p14:creationId xmlns:p14="http://schemas.microsoft.com/office/powerpoint/2010/main" val="2201888139"/>
+      </p:ext>
+    </p:extLst>
+  </p:cSld>
+  <p:clrMapOvr>
+    <a:masterClrMapping/>
+  </p:clrMapOvr>
+</p:notes>
+</file>
+
 <file path=ppt/notesSlides/notesSlide2.xml><?xml version="1.0" encoding="utf-8"?>
 <p:notes xmlns:a="http://schemas.openxmlformats.org/drawingml/2006/main" xmlns:r="http://schemas.openxmlformats.org/officeDocument/2006/relationships" xmlns:p="http://schemas.openxmlformats.org/presentationml/2006/main">
   <p:cSld>
@@ -646,7 +1653,490 @@
           <a:p>
             <a:r>
               <a:rPr lang="en-US" dirty="0"/>
-              <a:t>https://</a:t>
+              <a:t>this class is all about expanding your tool chest. It is about giving you the understanding and language to apply when you go to solve a problem.</a:t>
+            </a:r>
+          </a:p>
+        </p:txBody>
+      </p:sp>
+      <p:sp>
+        <p:nvSpPr>
+          <p:cNvPr id="4" name="Slide Number Placeholder 3"/>
+          <p:cNvSpPr>
+            <a:spLocks noGrp="1"/>
+          </p:cNvSpPr>
+          <p:nvPr>
+            <p:ph type="sldNum" sz="quarter" idx="5"/>
+          </p:nvPr>
+        </p:nvSpPr>
+        <p:spPr/>
+        <p:txBody>
+          <a:bodyPr/>
+          <a:lstStyle/>
+          <a:p>
+            <a:fld id="{82B1F6B5-82FD-5A43-AA2F-B215362424A2}" type="slidenum">
+              <a:rPr lang="en-US" smtClean="0"/>
+              <a:t>15</a:t>
+            </a:fld>
+            <a:endParaRPr lang="en-US"/>
+          </a:p>
+        </p:txBody>
+      </p:sp>
+    </p:spTree>
+    <p:extLst>
+      <p:ext uri="{BB962C8B-B14F-4D97-AF65-F5344CB8AC3E}">
+        <p14:creationId xmlns:p14="http://schemas.microsoft.com/office/powerpoint/2010/main" val="786969311"/>
+      </p:ext>
+    </p:extLst>
+  </p:cSld>
+  <p:clrMapOvr>
+    <a:masterClrMapping/>
+  </p:clrMapOvr>
+</p:notes>
+</file>
+
+<file path=ppt/notesSlides/notesSlide20.xml><?xml version="1.0" encoding="utf-8"?>
+<p:notes xmlns:a="http://schemas.openxmlformats.org/drawingml/2006/main" xmlns:r="http://schemas.openxmlformats.org/officeDocument/2006/relationships" xmlns:p="http://schemas.openxmlformats.org/presentationml/2006/main">
+  <p:cSld>
+    <p:spTree>
+      <p:nvGrpSpPr>
+        <p:cNvPr id="1" name=""/>
+        <p:cNvGrpSpPr/>
+        <p:nvPr/>
+      </p:nvGrpSpPr>
+      <p:grpSpPr>
+        <a:xfrm>
+          <a:off x="0" y="0"/>
+          <a:ext cx="0" cy="0"/>
+          <a:chOff x="0" y="0"/>
+          <a:chExt cx="0" cy="0"/>
+        </a:xfrm>
+      </p:grpSpPr>
+      <p:sp>
+        <p:nvSpPr>
+          <p:cNvPr id="2" name="Slide Image Placeholder 1"/>
+          <p:cNvSpPr>
+            <a:spLocks noGrp="1" noRot="1" noChangeAspect="1"/>
+          </p:cNvSpPr>
+          <p:nvPr>
+            <p:ph type="sldImg"/>
+          </p:nvPr>
+        </p:nvSpPr>
+        <p:spPr/>
+      </p:sp>
+      <p:sp>
+        <p:nvSpPr>
+          <p:cNvPr id="3" name="Notes Placeholder 2"/>
+          <p:cNvSpPr>
+            <a:spLocks noGrp="1"/>
+          </p:cNvSpPr>
+          <p:nvPr>
+            <p:ph type="body" idx="1"/>
+          </p:nvPr>
+        </p:nvSpPr>
+        <p:spPr/>
+        <p:txBody>
+          <a:bodyPr/>
+          <a:lstStyle/>
+          <a:p>
+            <a:r>
+              <a:rPr lang="en-US" dirty="0"/>
+              <a:t>One component of having a "good" answer is the stuff we talked about previously: the technical components of the algorithm. But next up is explaining it to people: presenting a clear, solid answer. Communication.</a:t>
+            </a:r>
+          </a:p>
+        </p:txBody>
+      </p:sp>
+      <p:sp>
+        <p:nvSpPr>
+          <p:cNvPr id="4" name="Slide Number Placeholder 3"/>
+          <p:cNvSpPr>
+            <a:spLocks noGrp="1"/>
+          </p:cNvSpPr>
+          <p:nvPr>
+            <p:ph type="sldNum" sz="quarter" idx="5"/>
+          </p:nvPr>
+        </p:nvSpPr>
+        <p:spPr/>
+        <p:txBody>
+          <a:bodyPr/>
+          <a:lstStyle/>
+          <a:p>
+            <a:fld id="{82B1F6B5-82FD-5A43-AA2F-B215362424A2}" type="slidenum">
+              <a:rPr lang="en-US" smtClean="0"/>
+              <a:t>39</a:t>
+            </a:fld>
+            <a:endParaRPr lang="en-US"/>
+          </a:p>
+        </p:txBody>
+      </p:sp>
+    </p:spTree>
+    <p:extLst>
+      <p:ext uri="{BB962C8B-B14F-4D97-AF65-F5344CB8AC3E}">
+        <p14:creationId xmlns:p14="http://schemas.microsoft.com/office/powerpoint/2010/main" val="1512815653"/>
+      </p:ext>
+    </p:extLst>
+  </p:cSld>
+  <p:clrMapOvr>
+    <a:masterClrMapping/>
+  </p:clrMapOvr>
+</p:notes>
+</file>
+
+<file path=ppt/notesSlides/notesSlide3.xml><?xml version="1.0" encoding="utf-8"?>
+<p:notes xmlns:a="http://schemas.openxmlformats.org/drawingml/2006/main" xmlns:r="http://schemas.openxmlformats.org/officeDocument/2006/relationships" xmlns:p="http://schemas.openxmlformats.org/presentationml/2006/main">
+  <p:cSld>
+    <p:spTree>
+      <p:nvGrpSpPr>
+        <p:cNvPr id="1" name=""/>
+        <p:cNvGrpSpPr/>
+        <p:nvPr/>
+      </p:nvGrpSpPr>
+      <p:grpSpPr>
+        <a:xfrm>
+          <a:off x="0" y="0"/>
+          <a:ext cx="0" cy="0"/>
+          <a:chOff x="0" y="0"/>
+          <a:chExt cx="0" cy="0"/>
+        </a:xfrm>
+      </p:grpSpPr>
+      <p:sp>
+        <p:nvSpPr>
+          <p:cNvPr id="2" name="Slide Image Placeholder 1"/>
+          <p:cNvSpPr>
+            <a:spLocks noGrp="1" noRot="1" noChangeAspect="1"/>
+          </p:cNvSpPr>
+          <p:nvPr>
+            <p:ph type="sldImg"/>
+          </p:nvPr>
+        </p:nvSpPr>
+        <p:spPr/>
+      </p:sp>
+      <p:sp>
+        <p:nvSpPr>
+          <p:cNvPr id="3" name="Notes Placeholder 2"/>
+          <p:cNvSpPr>
+            <a:spLocks noGrp="1"/>
+          </p:cNvSpPr>
+          <p:nvPr>
+            <p:ph type="body" idx="1"/>
+          </p:nvPr>
+        </p:nvSpPr>
+        <p:spPr/>
+        <p:txBody>
+          <a:bodyPr/>
+          <a:lstStyle/>
+          <a:p>
+            <a:r>
+              <a:rPr lang="en-US" dirty="0"/>
+              <a:t>I can enumerate all the possible ways </a:t>
+            </a:r>
+            <a:r>
+              <a:rPr lang="en-US" dirty="0" err="1"/>
+              <a:t>i</a:t>
+            </a:r>
+            <a:r>
+              <a:rPr lang="en-US" dirty="0"/>
+              <a:t> can do things, but that doesn't help me actually do it.</a:t>
+            </a:r>
+          </a:p>
+        </p:txBody>
+      </p:sp>
+      <p:sp>
+        <p:nvSpPr>
+          <p:cNvPr id="4" name="Slide Number Placeholder 3"/>
+          <p:cNvSpPr>
+            <a:spLocks noGrp="1"/>
+          </p:cNvSpPr>
+          <p:nvPr>
+            <p:ph type="sldNum" sz="quarter" idx="5"/>
+          </p:nvPr>
+        </p:nvSpPr>
+        <p:spPr/>
+        <p:txBody>
+          <a:bodyPr/>
+          <a:lstStyle/>
+          <a:p>
+            <a:fld id="{82B1F6B5-82FD-5A43-AA2F-B215362424A2}" type="slidenum">
+              <a:rPr lang="en-US" smtClean="0"/>
+              <a:t>17</a:t>
+            </a:fld>
+            <a:endParaRPr lang="en-US"/>
+          </a:p>
+        </p:txBody>
+      </p:sp>
+    </p:spTree>
+    <p:extLst>
+      <p:ext uri="{BB962C8B-B14F-4D97-AF65-F5344CB8AC3E}">
+        <p14:creationId xmlns:p14="http://schemas.microsoft.com/office/powerpoint/2010/main" val="1012412832"/>
+      </p:ext>
+    </p:extLst>
+  </p:cSld>
+  <p:clrMapOvr>
+    <a:masterClrMapping/>
+  </p:clrMapOvr>
+</p:notes>
+</file>
+
+<file path=ppt/notesSlides/notesSlide4.xml><?xml version="1.0" encoding="utf-8"?>
+<p:notes xmlns:a="http://schemas.openxmlformats.org/drawingml/2006/main" xmlns:r="http://schemas.openxmlformats.org/officeDocument/2006/relationships" xmlns:p="http://schemas.openxmlformats.org/presentationml/2006/main">
+  <p:cSld>
+    <p:spTree>
+      <p:nvGrpSpPr>
+        <p:cNvPr id="1" name=""/>
+        <p:cNvGrpSpPr/>
+        <p:nvPr/>
+      </p:nvGrpSpPr>
+      <p:grpSpPr>
+        <a:xfrm>
+          <a:off x="0" y="0"/>
+          <a:ext cx="0" cy="0"/>
+          <a:chOff x="0" y="0"/>
+          <a:chExt cx="0" cy="0"/>
+        </a:xfrm>
+      </p:grpSpPr>
+      <p:sp>
+        <p:nvSpPr>
+          <p:cNvPr id="2" name="Slide Image Placeholder 1"/>
+          <p:cNvSpPr>
+            <a:spLocks noGrp="1" noRot="1" noChangeAspect="1"/>
+          </p:cNvSpPr>
+          <p:nvPr>
+            <p:ph type="sldImg"/>
+          </p:nvPr>
+        </p:nvSpPr>
+        <p:spPr/>
+      </p:sp>
+      <p:sp>
+        <p:nvSpPr>
+          <p:cNvPr id="3" name="Notes Placeholder 2"/>
+          <p:cNvSpPr>
+            <a:spLocks noGrp="1"/>
+          </p:cNvSpPr>
+          <p:nvPr>
+            <p:ph type="body" idx="1"/>
+          </p:nvPr>
+        </p:nvSpPr>
+        <p:spPr/>
+        <p:txBody>
+          <a:bodyPr/>
+          <a:lstStyle/>
+          <a:p>
+            <a:r>
+              <a:rPr lang="en-US" dirty="0"/>
+              <a:t>To do anything, you need some sort of structure. if you're working with data, how are you storing it? </a:t>
+            </a:r>
+          </a:p>
+        </p:txBody>
+      </p:sp>
+      <p:sp>
+        <p:nvSpPr>
+          <p:cNvPr id="4" name="Slide Number Placeholder 3"/>
+          <p:cNvSpPr>
+            <a:spLocks noGrp="1"/>
+          </p:cNvSpPr>
+          <p:nvPr>
+            <p:ph type="sldNum" sz="quarter" idx="5"/>
+          </p:nvPr>
+        </p:nvSpPr>
+        <p:spPr/>
+        <p:txBody>
+          <a:bodyPr/>
+          <a:lstStyle/>
+          <a:p>
+            <a:fld id="{82B1F6B5-82FD-5A43-AA2F-B215362424A2}" type="slidenum">
+              <a:rPr lang="en-US" smtClean="0"/>
+              <a:t>19</a:t>
+            </a:fld>
+            <a:endParaRPr lang="en-US"/>
+          </a:p>
+        </p:txBody>
+      </p:sp>
+    </p:spTree>
+    <p:extLst>
+      <p:ext uri="{BB962C8B-B14F-4D97-AF65-F5344CB8AC3E}">
+        <p14:creationId xmlns:p14="http://schemas.microsoft.com/office/powerpoint/2010/main" val="325559925"/>
+      </p:ext>
+    </p:extLst>
+  </p:cSld>
+  <p:clrMapOvr>
+    <a:masterClrMapping/>
+  </p:clrMapOvr>
+</p:notes>
+</file>
+
+<file path=ppt/notesSlides/notesSlide5.xml><?xml version="1.0" encoding="utf-8"?>
+<p:notes xmlns:a="http://schemas.openxmlformats.org/drawingml/2006/main" xmlns:r="http://schemas.openxmlformats.org/officeDocument/2006/relationships" xmlns:p="http://schemas.openxmlformats.org/presentationml/2006/main">
+  <p:cSld>
+    <p:spTree>
+      <p:nvGrpSpPr>
+        <p:cNvPr id="1" name=""/>
+        <p:cNvGrpSpPr/>
+        <p:nvPr/>
+      </p:nvGrpSpPr>
+      <p:grpSpPr>
+        <a:xfrm>
+          <a:off x="0" y="0"/>
+          <a:ext cx="0" cy="0"/>
+          <a:chOff x="0" y="0"/>
+          <a:chExt cx="0" cy="0"/>
+        </a:xfrm>
+      </p:grpSpPr>
+      <p:sp>
+        <p:nvSpPr>
+          <p:cNvPr id="2" name="Slide Image Placeholder 1"/>
+          <p:cNvSpPr>
+            <a:spLocks noGrp="1" noRot="1" noChangeAspect="1"/>
+          </p:cNvSpPr>
+          <p:nvPr>
+            <p:ph type="sldImg"/>
+          </p:nvPr>
+        </p:nvSpPr>
+        <p:spPr/>
+      </p:sp>
+      <p:sp>
+        <p:nvSpPr>
+          <p:cNvPr id="3" name="Notes Placeholder 2"/>
+          <p:cNvSpPr>
+            <a:spLocks noGrp="1"/>
+          </p:cNvSpPr>
+          <p:nvPr>
+            <p:ph type="body" idx="1"/>
+          </p:nvPr>
+        </p:nvSpPr>
+        <p:spPr/>
+        <p:txBody>
+          <a:bodyPr/>
+          <a:lstStyle/>
+          <a:p>
+            <a:r>
+              <a:rPr lang="en-US" dirty="0"/>
+              <a:t>my scheduling problem: </a:t>
+            </a:r>
+            <a:r>
+              <a:rPr lang="en-US" dirty="0" err="1"/>
+              <a:t>i</a:t>
+            </a:r>
+            <a:r>
+              <a:rPr lang="en-US" dirty="0"/>
+              <a:t> need a **priority queue**. Baked into my priority queue is my labeled data, saying this is p1, this is p2, etc. I want it so when I dequeue something from the queue, </a:t>
+            </a:r>
+            <a:r>
+              <a:rPr lang="en-US" dirty="0" err="1"/>
+              <a:t>i'll</a:t>
+            </a:r>
+            <a:r>
+              <a:rPr lang="en-US" dirty="0"/>
+              <a:t> have the thing </a:t>
+            </a:r>
+            <a:r>
+              <a:rPr lang="en-US" dirty="0" err="1"/>
+              <a:t>i</a:t>
+            </a:r>
+            <a:r>
+              <a:rPr lang="en-US" dirty="0"/>
+              <a:t> need to do next. </a:t>
+            </a:r>
+          </a:p>
+        </p:txBody>
+      </p:sp>
+      <p:sp>
+        <p:nvSpPr>
+          <p:cNvPr id="4" name="Slide Number Placeholder 3"/>
+          <p:cNvSpPr>
+            <a:spLocks noGrp="1"/>
+          </p:cNvSpPr>
+          <p:nvPr>
+            <p:ph type="sldNum" sz="quarter" idx="5"/>
+          </p:nvPr>
+        </p:nvSpPr>
+        <p:spPr/>
+        <p:txBody>
+          <a:bodyPr/>
+          <a:lstStyle/>
+          <a:p>
+            <a:fld id="{82B1F6B5-82FD-5A43-AA2F-B215362424A2}" type="slidenum">
+              <a:rPr lang="en-US" smtClean="0"/>
+              <a:t>20</a:t>
+            </a:fld>
+            <a:endParaRPr lang="en-US"/>
+          </a:p>
+        </p:txBody>
+      </p:sp>
+    </p:spTree>
+    <p:extLst>
+      <p:ext uri="{BB962C8B-B14F-4D97-AF65-F5344CB8AC3E}">
+        <p14:creationId xmlns:p14="http://schemas.microsoft.com/office/powerpoint/2010/main" val="1418786837"/>
+      </p:ext>
+    </p:extLst>
+  </p:cSld>
+  <p:clrMapOvr>
+    <a:masterClrMapping/>
+  </p:clrMapOvr>
+</p:notes>
+</file>
+
+<file path=ppt/notesSlides/notesSlide6.xml><?xml version="1.0" encoding="utf-8"?>
+<p:notes xmlns:a="http://schemas.openxmlformats.org/drawingml/2006/main" xmlns:r="http://schemas.openxmlformats.org/officeDocument/2006/relationships" xmlns:p="http://schemas.openxmlformats.org/presentationml/2006/main">
+  <p:cSld>
+    <p:spTree>
+      <p:nvGrpSpPr>
+        <p:cNvPr id="1" name=""/>
+        <p:cNvGrpSpPr/>
+        <p:nvPr/>
+      </p:nvGrpSpPr>
+      <p:grpSpPr>
+        <a:xfrm>
+          <a:off x="0" y="0"/>
+          <a:ext cx="0" cy="0"/>
+          <a:chOff x="0" y="0"/>
+          <a:chExt cx="0" cy="0"/>
+        </a:xfrm>
+      </p:grpSpPr>
+      <p:sp>
+        <p:nvSpPr>
+          <p:cNvPr id="2" name="Slide Image Placeholder 1"/>
+          <p:cNvSpPr>
+            <a:spLocks noGrp="1" noRot="1" noChangeAspect="1"/>
+          </p:cNvSpPr>
+          <p:nvPr>
+            <p:ph type="sldImg"/>
+          </p:nvPr>
+        </p:nvSpPr>
+        <p:spPr/>
+      </p:sp>
+      <p:sp>
+        <p:nvSpPr>
+          <p:cNvPr id="3" name="Notes Placeholder 2"/>
+          <p:cNvSpPr>
+            <a:spLocks noGrp="1"/>
+          </p:cNvSpPr>
+          <p:nvPr>
+            <p:ph type="body" idx="1"/>
+          </p:nvPr>
+        </p:nvSpPr>
+        <p:spPr/>
+        <p:txBody>
+          <a:bodyPr/>
+          <a:lstStyle/>
+          <a:p>
+            <a:r>
+              <a:rPr lang="en-US" dirty="0"/>
+              <a:t>that being said, there's lots of ways </a:t>
+            </a:r>
+            <a:r>
+              <a:rPr lang="en-US" dirty="0" err="1"/>
+              <a:t>i</a:t>
+            </a:r>
+            <a:r>
+              <a:rPr lang="en-US" dirty="0"/>
+              <a:t> could figure out what </a:t>
+            </a:r>
+            <a:r>
+              <a:rPr lang="en-US" dirty="0" err="1"/>
+              <a:t>i</a:t>
+            </a:r>
+            <a:r>
+              <a:rPr lang="en-US" dirty="0"/>
+              <a:t> need to dequeue next. show geeks4geeks pic https://</a:t>
             </a:r>
             <a:r>
               <a:rPr lang="en-US" dirty="0" err="1"/>
@@ -694,6 +2184,285 @@
     <p:extLst>
       <p:ext uri="{BB962C8B-B14F-4D97-AF65-F5344CB8AC3E}">
         <p14:creationId xmlns:p14="http://schemas.microsoft.com/office/powerpoint/2010/main" val="716938728"/>
+      </p:ext>
+    </p:extLst>
+  </p:cSld>
+  <p:clrMapOvr>
+    <a:masterClrMapping/>
+  </p:clrMapOvr>
+</p:notes>
+</file>
+
+<file path=ppt/notesSlides/notesSlide7.xml><?xml version="1.0" encoding="utf-8"?>
+<p:notes xmlns:a="http://schemas.openxmlformats.org/drawingml/2006/main" xmlns:r="http://schemas.openxmlformats.org/officeDocument/2006/relationships" xmlns:p="http://schemas.openxmlformats.org/presentationml/2006/main">
+  <p:cSld>
+    <p:spTree>
+      <p:nvGrpSpPr>
+        <p:cNvPr id="1" name=""/>
+        <p:cNvGrpSpPr/>
+        <p:nvPr/>
+      </p:nvGrpSpPr>
+      <p:grpSpPr>
+        <a:xfrm>
+          <a:off x="0" y="0"/>
+          <a:ext cx="0" cy="0"/>
+          <a:chOff x="0" y="0"/>
+          <a:chExt cx="0" cy="0"/>
+        </a:xfrm>
+      </p:grpSpPr>
+      <p:sp>
+        <p:nvSpPr>
+          <p:cNvPr id="2" name="Slide Image Placeholder 1"/>
+          <p:cNvSpPr>
+            <a:spLocks noGrp="1" noRot="1" noChangeAspect="1"/>
+          </p:cNvSpPr>
+          <p:nvPr>
+            <p:ph type="sldImg"/>
+          </p:nvPr>
+        </p:nvSpPr>
+        <p:spPr/>
+      </p:sp>
+      <p:sp>
+        <p:nvSpPr>
+          <p:cNvPr id="3" name="Notes Placeholder 2"/>
+          <p:cNvSpPr>
+            <a:spLocks noGrp="1"/>
+          </p:cNvSpPr>
+          <p:nvPr>
+            <p:ph type="body" idx="1"/>
+          </p:nvPr>
+        </p:nvSpPr>
+        <p:spPr/>
+        <p:txBody>
+          <a:bodyPr/>
+          <a:lstStyle/>
+          <a:p>
+            <a:r>
+              <a:rPr lang="en-US" dirty="0"/>
+              <a:t>Which brings me to my next point. </a:t>
+            </a:r>
+          </a:p>
+        </p:txBody>
+      </p:sp>
+      <p:sp>
+        <p:nvSpPr>
+          <p:cNvPr id="4" name="Slide Number Placeholder 3"/>
+          <p:cNvSpPr>
+            <a:spLocks noGrp="1"/>
+          </p:cNvSpPr>
+          <p:nvPr>
+            <p:ph type="sldNum" sz="quarter" idx="5"/>
+          </p:nvPr>
+        </p:nvSpPr>
+        <p:spPr/>
+        <p:txBody>
+          <a:bodyPr/>
+          <a:lstStyle/>
+          <a:p>
+            <a:fld id="{82B1F6B5-82FD-5A43-AA2F-B215362424A2}" type="slidenum">
+              <a:rPr lang="en-US" smtClean="0"/>
+              <a:t>22</a:t>
+            </a:fld>
+            <a:endParaRPr lang="en-US"/>
+          </a:p>
+        </p:txBody>
+      </p:sp>
+    </p:spTree>
+    <p:extLst>
+      <p:ext uri="{BB962C8B-B14F-4D97-AF65-F5344CB8AC3E}">
+        <p14:creationId xmlns:p14="http://schemas.microsoft.com/office/powerpoint/2010/main" val="1600076622"/>
+      </p:ext>
+    </p:extLst>
+  </p:cSld>
+  <p:clrMapOvr>
+    <a:masterClrMapping/>
+  </p:clrMapOvr>
+</p:notes>
+</file>
+
+<file path=ppt/notesSlides/notesSlide8.xml><?xml version="1.0" encoding="utf-8"?>
+<p:notes xmlns:a="http://schemas.openxmlformats.org/drawingml/2006/main" xmlns:r="http://schemas.openxmlformats.org/officeDocument/2006/relationships" xmlns:p="http://schemas.openxmlformats.org/presentationml/2006/main">
+  <p:cSld>
+    <p:spTree>
+      <p:nvGrpSpPr>
+        <p:cNvPr id="1" name=""/>
+        <p:cNvGrpSpPr/>
+        <p:nvPr/>
+      </p:nvGrpSpPr>
+      <p:grpSpPr>
+        <a:xfrm>
+          <a:off x="0" y="0"/>
+          <a:ext cx="0" cy="0"/>
+          <a:chOff x="0" y="0"/>
+          <a:chExt cx="0" cy="0"/>
+        </a:xfrm>
+      </p:grpSpPr>
+      <p:sp>
+        <p:nvSpPr>
+          <p:cNvPr id="2" name="Slide Image Placeholder 1"/>
+          <p:cNvSpPr>
+            <a:spLocks noGrp="1" noRot="1" noChangeAspect="1"/>
+          </p:cNvSpPr>
+          <p:nvPr>
+            <p:ph type="sldImg"/>
+          </p:nvPr>
+        </p:nvSpPr>
+        <p:spPr/>
+      </p:sp>
+      <p:sp>
+        <p:nvSpPr>
+          <p:cNvPr id="3" name="Notes Placeholder 2"/>
+          <p:cNvSpPr>
+            <a:spLocks noGrp="1"/>
+          </p:cNvSpPr>
+          <p:nvPr>
+            <p:ph type="body" idx="1"/>
+          </p:nvPr>
+        </p:nvSpPr>
+        <p:spPr/>
+        <p:txBody>
+          <a:bodyPr/>
+          <a:lstStyle/>
+          <a:p>
+            <a:r>
+              <a:rPr lang="en-US" dirty="0"/>
+              <a:t>My ordering of things to do may not be the same as what you choose to do. you may choose x first, then y, then z, while I would choose z then x then y. </a:t>
+            </a:r>
+          </a:p>
+          <a:p>
+            <a:endParaRPr lang="en-US" dirty="0"/>
+          </a:p>
+          <a:p>
+            <a:r>
+              <a:rPr lang="en-US" dirty="0"/>
+              <a:t>That being said... remember that the solutions you design are not necessarily objective.</a:t>
+            </a:r>
+          </a:p>
+          <a:p>
+            <a:r>
+              <a:rPr lang="en-US" dirty="0"/>
+              <a:t>example: objective = x. subjective =y. </a:t>
+            </a:r>
+          </a:p>
+          <a:p>
+            <a:endParaRPr lang="en-US" dirty="0"/>
+          </a:p>
+        </p:txBody>
+      </p:sp>
+      <p:sp>
+        <p:nvSpPr>
+          <p:cNvPr id="4" name="Slide Number Placeholder 3"/>
+          <p:cNvSpPr>
+            <a:spLocks noGrp="1"/>
+          </p:cNvSpPr>
+          <p:nvPr>
+            <p:ph type="sldNum" sz="quarter" idx="5"/>
+          </p:nvPr>
+        </p:nvSpPr>
+        <p:spPr/>
+        <p:txBody>
+          <a:bodyPr/>
+          <a:lstStyle/>
+          <a:p>
+            <a:fld id="{82B1F6B5-82FD-5A43-AA2F-B215362424A2}" type="slidenum">
+              <a:rPr lang="en-US" smtClean="0"/>
+              <a:t>23</a:t>
+            </a:fld>
+            <a:endParaRPr lang="en-US"/>
+          </a:p>
+        </p:txBody>
+      </p:sp>
+    </p:spTree>
+    <p:extLst>
+      <p:ext uri="{BB962C8B-B14F-4D97-AF65-F5344CB8AC3E}">
+        <p14:creationId xmlns:p14="http://schemas.microsoft.com/office/powerpoint/2010/main" val="2138583529"/>
+      </p:ext>
+    </p:extLst>
+  </p:cSld>
+  <p:clrMapOvr>
+    <a:masterClrMapping/>
+  </p:clrMapOvr>
+</p:notes>
+</file>
+
+<file path=ppt/notesSlides/notesSlide9.xml><?xml version="1.0" encoding="utf-8"?>
+<p:notes xmlns:a="http://schemas.openxmlformats.org/drawingml/2006/main" xmlns:r="http://schemas.openxmlformats.org/officeDocument/2006/relationships" xmlns:p="http://schemas.openxmlformats.org/presentationml/2006/main">
+  <p:cSld>
+    <p:spTree>
+      <p:nvGrpSpPr>
+        <p:cNvPr id="1" name=""/>
+        <p:cNvGrpSpPr/>
+        <p:nvPr/>
+      </p:nvGrpSpPr>
+      <p:grpSpPr>
+        <a:xfrm>
+          <a:off x="0" y="0"/>
+          <a:ext cx="0" cy="0"/>
+          <a:chOff x="0" y="0"/>
+          <a:chExt cx="0" cy="0"/>
+        </a:xfrm>
+      </p:grpSpPr>
+      <p:sp>
+        <p:nvSpPr>
+          <p:cNvPr id="2" name="Slide Image Placeholder 1"/>
+          <p:cNvSpPr>
+            <a:spLocks noGrp="1" noRot="1" noChangeAspect="1"/>
+          </p:cNvSpPr>
+          <p:nvPr>
+            <p:ph type="sldImg"/>
+          </p:nvPr>
+        </p:nvSpPr>
+        <p:spPr/>
+      </p:sp>
+      <p:sp>
+        <p:nvSpPr>
+          <p:cNvPr id="3" name="Notes Placeholder 2"/>
+          <p:cNvSpPr>
+            <a:spLocks noGrp="1"/>
+          </p:cNvSpPr>
+          <p:nvPr>
+            <p:ph type="body" idx="1"/>
+          </p:nvPr>
+        </p:nvSpPr>
+        <p:spPr/>
+        <p:txBody>
+          <a:bodyPr/>
+          <a:lstStyle/>
+          <a:p>
+            <a:r>
+              <a:rPr lang="en-US" dirty="0"/>
+              <a:t>Like with scheduling, you bring assumptions to the table about how this structure works. You have biases about what is easy to compute, while others may have differing opinions.</a:t>
+            </a:r>
+          </a:p>
+        </p:txBody>
+      </p:sp>
+      <p:sp>
+        <p:nvSpPr>
+          <p:cNvPr id="4" name="Slide Number Placeholder 3"/>
+          <p:cNvSpPr>
+            <a:spLocks noGrp="1"/>
+          </p:cNvSpPr>
+          <p:nvPr>
+            <p:ph type="sldNum" sz="quarter" idx="5"/>
+          </p:nvPr>
+        </p:nvSpPr>
+        <p:spPr/>
+        <p:txBody>
+          <a:bodyPr/>
+          <a:lstStyle/>
+          <a:p>
+            <a:fld id="{82B1F6B5-82FD-5A43-AA2F-B215362424A2}" type="slidenum">
+              <a:rPr lang="en-US" smtClean="0"/>
+              <a:t>24</a:t>
+            </a:fld>
+            <a:endParaRPr lang="en-US"/>
+          </a:p>
+        </p:txBody>
+      </p:sp>
+    </p:spTree>
+    <p:extLst>
+      <p:ext uri="{BB962C8B-B14F-4D97-AF65-F5344CB8AC3E}">
+        <p14:creationId xmlns:p14="http://schemas.microsoft.com/office/powerpoint/2010/main" val="3279140053"/>
       </p:ext>
     </p:extLst>
   </p:cSld>
@@ -4601,49 +6370,32 @@
       </p:sp>
       <p:pic>
         <p:nvPicPr>
-          <p:cNvPr id="1026" name="Picture 2" descr="Amazon.com: WTRAVEL Rolling Tool Chest with 7-Drawer Tool Box with Wheels  Multifunctional Tool Cart Mechanic Tool Storage Cabinet for Garage,  Warehouse, Workshop, Repair Shop (Red) : Tools &amp; Home Improvement">
+          <p:cNvPr id="5" name="Picture 4" descr="A tool box full of tools&#10;&#10;AI-generated content may be incorrect.">
             <a:extLst>
               <a:ext uri="{FF2B5EF4-FFF2-40B4-BE49-F238E27FC236}">
-                <a16:creationId xmlns:a16="http://schemas.microsoft.com/office/drawing/2014/main" id="{91DC7C19-7791-EC01-9E9E-A57DAB6731D4}"/>
+                <a16:creationId xmlns:a16="http://schemas.microsoft.com/office/drawing/2014/main" id="{BAFEEE3C-F5FA-126C-59CF-57DBE0F1FBC8}"/>
               </a:ext>
             </a:extLst>
           </p:cNvPr>
           <p:cNvPicPr>
-            <a:picLocks noChangeAspect="1" noChangeArrowheads="1"/>
+            <a:picLocks noChangeAspect="1"/>
           </p:cNvPicPr>
           <p:nvPr/>
         </p:nvPicPr>
         <p:blipFill>
-          <a:blip r:embed="rId2">
-            <a:extLst>
-              <a:ext uri="{28A0092B-C50C-407E-A947-70E740481C1C}">
-                <a14:useLocalDpi xmlns:a14="http://schemas.microsoft.com/office/drawing/2010/main" val="0"/>
-              </a:ext>
-            </a:extLst>
-          </a:blip>
-          <a:srcRect/>
+          <a:blip r:embed="rId3"/>
           <a:stretch>
             <a:fillRect/>
           </a:stretch>
         </p:blipFill>
-        <p:spPr bwMode="auto">
+        <p:spPr>
           <a:xfrm>
-            <a:off x="6096000" y="1487714"/>
-            <a:ext cx="5370286" cy="5370286"/>
+            <a:off x="6615723" y="2572544"/>
+            <a:ext cx="5080000" cy="2857500"/>
           </a:xfrm>
           <a:prstGeom prst="rect">
             <a:avLst/>
           </a:prstGeom>
-          <a:noFill/>
-          <a:extLst>
-            <a:ext uri="{909E8E84-426E-40DD-AFC4-6F175D3DCCD1}">
-              <a14:hiddenFill xmlns:a14="http://schemas.microsoft.com/office/drawing/2010/main">
-                <a:solidFill>
-                  <a:srgbClr val="FFFFFF"/>
-                </a:solidFill>
-              </a14:hiddenFill>
-            </a:ext>
-          </a:extLst>
         </p:spPr>
       </p:pic>
     </p:spTree>
@@ -5959,7 +7711,7 @@
           <a:p>
             <a:r>
               <a:rPr lang="en-US" dirty="0"/>
-              <a:t>I will label my data with priority (1 = high)</a:t>
+              <a:t>I will label my data with priority (1 = high) and estimated time.</a:t>
             </a:r>
           </a:p>
           <a:p>
@@ -5983,49 +7735,49 @@
             <a:pPr lvl="1"/>
             <a:r>
               <a:rPr lang="en-US" dirty="0"/>
-              <a:t>Prep CS 374 Tuesday lecture - 1</a:t>
+              <a:t>Prep CS 374 Tuesday lecture – 1, 1 hour</a:t>
             </a:r>
           </a:p>
           <a:p>
             <a:pPr lvl="1"/>
             <a:r>
               <a:rPr lang="en-US" dirty="0"/>
-              <a:t>Write a sentence for research paper - 2</a:t>
+              <a:t>Write a sentence for research paper – 2, 30 minutes</a:t>
             </a:r>
           </a:p>
           <a:p>
             <a:pPr lvl="1"/>
             <a:r>
               <a:rPr lang="en-US" dirty="0"/>
-              <a:t>Decide Math 104 homework problems - 3</a:t>
+              <a:t>Decide Math 104 homework problems – 3, 20 minutes</a:t>
             </a:r>
           </a:p>
           <a:p>
             <a:pPr lvl="1"/>
             <a:r>
               <a:rPr lang="en-US" dirty="0"/>
-              <a:t>Prep Math 104 Tuesday lecture - 1</a:t>
+              <a:t>Prep Math 104 Tuesday lecture – 1, 1 hour</a:t>
             </a:r>
           </a:p>
           <a:p>
             <a:pPr lvl="1"/>
             <a:r>
               <a:rPr lang="en-US" dirty="0"/>
-              <a:t>Organize Canvas course - 1</a:t>
+              <a:t>Organize Canvas course – 1, 45 minutes</a:t>
             </a:r>
           </a:p>
           <a:p>
             <a:pPr lvl="1"/>
             <a:r>
               <a:rPr lang="en-US" dirty="0"/>
-              <a:t>Knit hat - 3</a:t>
+              <a:t>Knit hat – 3, 10 minutes</a:t>
             </a:r>
           </a:p>
           <a:p>
             <a:pPr lvl="1"/>
             <a:r>
               <a:rPr lang="en-US" dirty="0"/>
-              <a:t>Read a research paper - 2</a:t>
+              <a:t>Read a research paper – 2, 30 minutes</a:t>
             </a:r>
           </a:p>
           <a:p>
@@ -6975,7 +8727,7 @@
           <p:nvPr/>
         </p:nvPicPr>
         <p:blipFill>
-          <a:blip r:embed="rId2">
+          <a:blip r:embed="rId3">
             <a:extLst>
               <a:ext uri="{28A0092B-C50C-407E-A947-70E740481C1C}">
                 <a14:useLocalDpi xmlns:a14="http://schemas.microsoft.com/office/drawing/2010/main" val="0"/>
@@ -8733,6 +10485,235 @@
   <p:clrMapOvr>
     <a:masterClrMapping/>
   </p:clrMapOvr>
+  <p:timing>
+    <p:tnLst>
+      <p:par>
+        <p:cTn id="1" dur="indefinite" restart="never" nodeType="tmRoot">
+          <p:childTnLst>
+            <p:seq concurrent="1" nextAc="seek">
+              <p:cTn id="2" dur="indefinite" nodeType="mainSeq">
+                <p:childTnLst>
+                  <p:par>
+                    <p:cTn id="3" fill="hold">
+                      <p:stCondLst>
+                        <p:cond delay="indefinite"/>
+                      </p:stCondLst>
+                      <p:childTnLst>
+                        <p:par>
+                          <p:cTn id="4" fill="hold">
+                            <p:stCondLst>
+                              <p:cond delay="0"/>
+                            </p:stCondLst>
+                            <p:childTnLst>
+                              <p:par>
+                                <p:cTn id="5" presetID="1" presetClass="entr" presetSubtype="0" fill="hold" grpId="0" nodeType="clickEffect">
+                                  <p:stCondLst>
+                                    <p:cond delay="0"/>
+                                  </p:stCondLst>
+                                  <p:childTnLst>
+                                    <p:set>
+                                      <p:cBhvr>
+                                        <p:cTn id="6" dur="1" fill="hold">
+                                          <p:stCondLst>
+                                            <p:cond delay="0"/>
+                                          </p:stCondLst>
+                                        </p:cTn>
+                                        <p:tgtEl>
+                                          <p:spTgt spid="3">
+                                            <p:txEl>
+                                              <p:pRg st="0" end="0"/>
+                                            </p:txEl>
+                                          </p:spTgt>
+                                        </p:tgtEl>
+                                        <p:attrNameLst>
+                                          <p:attrName>style.visibility</p:attrName>
+                                        </p:attrNameLst>
+                                      </p:cBhvr>
+                                      <p:to>
+                                        <p:strVal val="visible"/>
+                                      </p:to>
+                                    </p:set>
+                                  </p:childTnLst>
+                                </p:cTn>
+                              </p:par>
+                            </p:childTnLst>
+                          </p:cTn>
+                        </p:par>
+                      </p:childTnLst>
+                    </p:cTn>
+                  </p:par>
+                  <p:par>
+                    <p:cTn id="7" fill="hold">
+                      <p:stCondLst>
+                        <p:cond delay="indefinite"/>
+                      </p:stCondLst>
+                      <p:childTnLst>
+                        <p:par>
+                          <p:cTn id="8" fill="hold">
+                            <p:stCondLst>
+                              <p:cond delay="0"/>
+                            </p:stCondLst>
+                            <p:childTnLst>
+                              <p:par>
+                                <p:cTn id="9" presetID="1" presetClass="entr" presetSubtype="0" fill="hold" grpId="0" nodeType="clickEffect">
+                                  <p:stCondLst>
+                                    <p:cond delay="0"/>
+                                  </p:stCondLst>
+                                  <p:childTnLst>
+                                    <p:set>
+                                      <p:cBhvr>
+                                        <p:cTn id="10" dur="1" fill="hold">
+                                          <p:stCondLst>
+                                            <p:cond delay="0"/>
+                                          </p:stCondLst>
+                                        </p:cTn>
+                                        <p:tgtEl>
+                                          <p:spTgt spid="3">
+                                            <p:txEl>
+                                              <p:pRg st="1" end="1"/>
+                                            </p:txEl>
+                                          </p:spTgt>
+                                        </p:tgtEl>
+                                        <p:attrNameLst>
+                                          <p:attrName>style.visibility</p:attrName>
+                                        </p:attrNameLst>
+                                      </p:cBhvr>
+                                      <p:to>
+                                        <p:strVal val="visible"/>
+                                      </p:to>
+                                    </p:set>
+                                  </p:childTnLst>
+                                </p:cTn>
+                              </p:par>
+                            </p:childTnLst>
+                          </p:cTn>
+                        </p:par>
+                      </p:childTnLst>
+                    </p:cTn>
+                  </p:par>
+                  <p:par>
+                    <p:cTn id="11" fill="hold">
+                      <p:stCondLst>
+                        <p:cond delay="indefinite"/>
+                      </p:stCondLst>
+                      <p:childTnLst>
+                        <p:par>
+                          <p:cTn id="12" fill="hold">
+                            <p:stCondLst>
+                              <p:cond delay="0"/>
+                            </p:stCondLst>
+                            <p:childTnLst>
+                              <p:par>
+                                <p:cTn id="13" presetID="1" presetClass="entr" presetSubtype="0" fill="hold" grpId="0" nodeType="clickEffect">
+                                  <p:stCondLst>
+                                    <p:cond delay="0"/>
+                                  </p:stCondLst>
+                                  <p:childTnLst>
+                                    <p:set>
+                                      <p:cBhvr>
+                                        <p:cTn id="14" dur="1" fill="hold">
+                                          <p:stCondLst>
+                                            <p:cond delay="0"/>
+                                          </p:stCondLst>
+                                        </p:cTn>
+                                        <p:tgtEl>
+                                          <p:spTgt spid="3">
+                                            <p:txEl>
+                                              <p:pRg st="2" end="2"/>
+                                            </p:txEl>
+                                          </p:spTgt>
+                                        </p:tgtEl>
+                                        <p:attrNameLst>
+                                          <p:attrName>style.visibility</p:attrName>
+                                        </p:attrNameLst>
+                                      </p:cBhvr>
+                                      <p:to>
+                                        <p:strVal val="visible"/>
+                                      </p:to>
+                                    </p:set>
+                                  </p:childTnLst>
+                                </p:cTn>
+                              </p:par>
+                            </p:childTnLst>
+                          </p:cTn>
+                        </p:par>
+                      </p:childTnLst>
+                    </p:cTn>
+                  </p:par>
+                  <p:par>
+                    <p:cTn id="15" fill="hold">
+                      <p:stCondLst>
+                        <p:cond delay="indefinite"/>
+                      </p:stCondLst>
+                      <p:childTnLst>
+                        <p:par>
+                          <p:cTn id="16" fill="hold">
+                            <p:stCondLst>
+                              <p:cond delay="0"/>
+                            </p:stCondLst>
+                            <p:childTnLst>
+                              <p:par>
+                                <p:cTn id="17" presetID="1" presetClass="entr" presetSubtype="0" fill="hold" grpId="0" nodeType="clickEffect">
+                                  <p:stCondLst>
+                                    <p:cond delay="0"/>
+                                  </p:stCondLst>
+                                  <p:childTnLst>
+                                    <p:set>
+                                      <p:cBhvr>
+                                        <p:cTn id="18" dur="1" fill="hold">
+                                          <p:stCondLst>
+                                            <p:cond delay="0"/>
+                                          </p:stCondLst>
+                                        </p:cTn>
+                                        <p:tgtEl>
+                                          <p:spTgt spid="3">
+                                            <p:txEl>
+                                              <p:pRg st="3" end="3"/>
+                                            </p:txEl>
+                                          </p:spTgt>
+                                        </p:tgtEl>
+                                        <p:attrNameLst>
+                                          <p:attrName>style.visibility</p:attrName>
+                                        </p:attrNameLst>
+                                      </p:cBhvr>
+                                      <p:to>
+                                        <p:strVal val="visible"/>
+                                      </p:to>
+                                    </p:set>
+                                  </p:childTnLst>
+                                </p:cTn>
+                              </p:par>
+                            </p:childTnLst>
+                          </p:cTn>
+                        </p:par>
+                      </p:childTnLst>
+                    </p:cTn>
+                  </p:par>
+                </p:childTnLst>
+              </p:cTn>
+              <p:prevCondLst>
+                <p:cond evt="onPrev" delay="0">
+                  <p:tgtEl>
+                    <p:sldTgt/>
+                  </p:tgtEl>
+                </p:cond>
+              </p:prevCondLst>
+              <p:nextCondLst>
+                <p:cond evt="onNext" delay="0">
+                  <p:tgtEl>
+                    <p:sldTgt/>
+                  </p:tgtEl>
+                </p:cond>
+              </p:nextCondLst>
+            </p:seq>
+          </p:childTnLst>
+        </p:cTn>
+      </p:par>
+    </p:tnLst>
+    <p:bldLst>
+      <p:bldP spid="3" grpId="0" build="p"/>
+    </p:bldLst>
+  </p:timing>
 </p:sld>
 </file>
 
@@ -8881,7 +10862,7 @@
           </p:nvPr>
         </p:nvPicPr>
         <p:blipFill>
-          <a:blip r:embed="rId2">
+          <a:blip r:embed="rId3">
             <a:extLst>
               <a:ext uri="{28A0092B-C50C-407E-A947-70E740481C1C}">
                 <a14:useLocalDpi xmlns:a14="http://schemas.microsoft.com/office/drawing/2010/main" val="0"/>
@@ -9011,7 +10992,7 @@
           <p:nvPr/>
         </p:nvPicPr>
         <p:blipFill>
-          <a:blip r:embed="rId2">
+          <a:blip r:embed="rId3">
             <a:extLst>
               <a:ext uri="{28A0092B-C50C-407E-A947-70E740481C1C}">
                 <a14:useLocalDpi xmlns:a14="http://schemas.microsoft.com/office/drawing/2010/main" val="0"/>
@@ -10557,7 +12538,7 @@
           <p:nvPr/>
         </p:nvPicPr>
         <p:blipFill>
-          <a:blip r:embed="rId2">
+          <a:blip r:embed="rId3">
             <a:extLst>
               <a:ext uri="{28A0092B-C50C-407E-A947-70E740481C1C}">
                 <a14:useLocalDpi xmlns:a14="http://schemas.microsoft.com/office/drawing/2010/main" val="0"/>
@@ -10898,6 +12879,333 @@
   <p:clrMapOvr>
     <a:masterClrMapping/>
   </p:clrMapOvr>
+  <p:timing>
+    <p:tnLst>
+      <p:par>
+        <p:cTn id="1" dur="indefinite" restart="never" nodeType="tmRoot">
+          <p:childTnLst>
+            <p:seq concurrent="1" nextAc="seek">
+              <p:cTn id="2" dur="indefinite" nodeType="mainSeq">
+                <p:childTnLst>
+                  <p:par>
+                    <p:cTn id="3" fill="hold">
+                      <p:stCondLst>
+                        <p:cond delay="indefinite"/>
+                      </p:stCondLst>
+                      <p:childTnLst>
+                        <p:par>
+                          <p:cTn id="4" fill="hold">
+                            <p:stCondLst>
+                              <p:cond delay="0"/>
+                            </p:stCondLst>
+                            <p:childTnLst>
+                              <p:par>
+                                <p:cTn id="5" presetID="1" presetClass="entr" presetSubtype="0" fill="hold" grpId="0" nodeType="clickEffect">
+                                  <p:stCondLst>
+                                    <p:cond delay="0"/>
+                                  </p:stCondLst>
+                                  <p:childTnLst>
+                                    <p:set>
+                                      <p:cBhvr>
+                                        <p:cTn id="6" dur="1" fill="hold">
+                                          <p:stCondLst>
+                                            <p:cond delay="0"/>
+                                          </p:stCondLst>
+                                        </p:cTn>
+                                        <p:tgtEl>
+                                          <p:spTgt spid="3">
+                                            <p:txEl>
+                                              <p:pRg st="0" end="0"/>
+                                            </p:txEl>
+                                          </p:spTgt>
+                                        </p:tgtEl>
+                                        <p:attrNameLst>
+                                          <p:attrName>style.visibility</p:attrName>
+                                        </p:attrNameLst>
+                                      </p:cBhvr>
+                                      <p:to>
+                                        <p:strVal val="visible"/>
+                                      </p:to>
+                                    </p:set>
+                                  </p:childTnLst>
+                                </p:cTn>
+                              </p:par>
+                            </p:childTnLst>
+                          </p:cTn>
+                        </p:par>
+                      </p:childTnLst>
+                    </p:cTn>
+                  </p:par>
+                  <p:par>
+                    <p:cTn id="7" fill="hold">
+                      <p:stCondLst>
+                        <p:cond delay="indefinite"/>
+                      </p:stCondLst>
+                      <p:childTnLst>
+                        <p:par>
+                          <p:cTn id="8" fill="hold">
+                            <p:stCondLst>
+                              <p:cond delay="0"/>
+                            </p:stCondLst>
+                            <p:childTnLst>
+                              <p:par>
+                                <p:cTn id="9" presetID="1" presetClass="entr" presetSubtype="0" fill="hold" grpId="0" nodeType="clickEffect">
+                                  <p:stCondLst>
+                                    <p:cond delay="0"/>
+                                  </p:stCondLst>
+                                  <p:childTnLst>
+                                    <p:set>
+                                      <p:cBhvr>
+                                        <p:cTn id="10" dur="1" fill="hold">
+                                          <p:stCondLst>
+                                            <p:cond delay="0"/>
+                                          </p:stCondLst>
+                                        </p:cTn>
+                                        <p:tgtEl>
+                                          <p:spTgt spid="3">
+                                            <p:txEl>
+                                              <p:pRg st="1" end="1"/>
+                                            </p:txEl>
+                                          </p:spTgt>
+                                        </p:tgtEl>
+                                        <p:attrNameLst>
+                                          <p:attrName>style.visibility</p:attrName>
+                                        </p:attrNameLst>
+                                      </p:cBhvr>
+                                      <p:to>
+                                        <p:strVal val="visible"/>
+                                      </p:to>
+                                    </p:set>
+                                  </p:childTnLst>
+                                </p:cTn>
+                              </p:par>
+                            </p:childTnLst>
+                          </p:cTn>
+                        </p:par>
+                      </p:childTnLst>
+                    </p:cTn>
+                  </p:par>
+                  <p:par>
+                    <p:cTn id="11" fill="hold">
+                      <p:stCondLst>
+                        <p:cond delay="indefinite"/>
+                      </p:stCondLst>
+                      <p:childTnLst>
+                        <p:par>
+                          <p:cTn id="12" fill="hold">
+                            <p:stCondLst>
+                              <p:cond delay="0"/>
+                            </p:stCondLst>
+                            <p:childTnLst>
+                              <p:par>
+                                <p:cTn id="13" presetID="1" presetClass="entr" presetSubtype="0" fill="hold" grpId="0" nodeType="clickEffect">
+                                  <p:stCondLst>
+                                    <p:cond delay="0"/>
+                                  </p:stCondLst>
+                                  <p:childTnLst>
+                                    <p:set>
+                                      <p:cBhvr>
+                                        <p:cTn id="14" dur="1" fill="hold">
+                                          <p:stCondLst>
+                                            <p:cond delay="0"/>
+                                          </p:stCondLst>
+                                        </p:cTn>
+                                        <p:tgtEl>
+                                          <p:spTgt spid="3">
+                                            <p:txEl>
+                                              <p:pRg st="2" end="2"/>
+                                            </p:txEl>
+                                          </p:spTgt>
+                                        </p:tgtEl>
+                                        <p:attrNameLst>
+                                          <p:attrName>style.visibility</p:attrName>
+                                        </p:attrNameLst>
+                                      </p:cBhvr>
+                                      <p:to>
+                                        <p:strVal val="visible"/>
+                                      </p:to>
+                                    </p:set>
+                                  </p:childTnLst>
+                                </p:cTn>
+                              </p:par>
+                            </p:childTnLst>
+                          </p:cTn>
+                        </p:par>
+                      </p:childTnLst>
+                    </p:cTn>
+                  </p:par>
+                  <p:par>
+                    <p:cTn id="15" fill="hold">
+                      <p:stCondLst>
+                        <p:cond delay="indefinite"/>
+                      </p:stCondLst>
+                      <p:childTnLst>
+                        <p:par>
+                          <p:cTn id="16" fill="hold">
+                            <p:stCondLst>
+                              <p:cond delay="0"/>
+                            </p:stCondLst>
+                            <p:childTnLst>
+                              <p:par>
+                                <p:cTn id="17" presetID="1" presetClass="entr" presetSubtype="0" fill="hold" grpId="0" nodeType="clickEffect">
+                                  <p:stCondLst>
+                                    <p:cond delay="0"/>
+                                  </p:stCondLst>
+                                  <p:childTnLst>
+                                    <p:set>
+                                      <p:cBhvr>
+                                        <p:cTn id="18" dur="1" fill="hold">
+                                          <p:stCondLst>
+                                            <p:cond delay="0"/>
+                                          </p:stCondLst>
+                                        </p:cTn>
+                                        <p:tgtEl>
+                                          <p:spTgt spid="3">
+                                            <p:txEl>
+                                              <p:pRg st="3" end="3"/>
+                                            </p:txEl>
+                                          </p:spTgt>
+                                        </p:tgtEl>
+                                        <p:attrNameLst>
+                                          <p:attrName>style.visibility</p:attrName>
+                                        </p:attrNameLst>
+                                      </p:cBhvr>
+                                      <p:to>
+                                        <p:strVal val="visible"/>
+                                      </p:to>
+                                    </p:set>
+                                  </p:childTnLst>
+                                </p:cTn>
+                              </p:par>
+                            </p:childTnLst>
+                          </p:cTn>
+                        </p:par>
+                      </p:childTnLst>
+                    </p:cTn>
+                  </p:par>
+                  <p:par>
+                    <p:cTn id="19" fill="hold">
+                      <p:stCondLst>
+                        <p:cond delay="indefinite"/>
+                      </p:stCondLst>
+                      <p:childTnLst>
+                        <p:par>
+                          <p:cTn id="20" fill="hold">
+                            <p:stCondLst>
+                              <p:cond delay="0"/>
+                            </p:stCondLst>
+                            <p:childTnLst>
+                              <p:par>
+                                <p:cTn id="21" presetID="1" presetClass="entr" presetSubtype="0" fill="hold" grpId="0" nodeType="clickEffect">
+                                  <p:stCondLst>
+                                    <p:cond delay="0"/>
+                                  </p:stCondLst>
+                                  <p:childTnLst>
+                                    <p:set>
+                                      <p:cBhvr>
+                                        <p:cTn id="22" dur="1" fill="hold">
+                                          <p:stCondLst>
+                                            <p:cond delay="0"/>
+                                          </p:stCondLst>
+                                        </p:cTn>
+                                        <p:tgtEl>
+                                          <p:spTgt spid="3">
+                                            <p:txEl>
+                                              <p:pRg st="4" end="4"/>
+                                            </p:txEl>
+                                          </p:spTgt>
+                                        </p:tgtEl>
+                                        <p:attrNameLst>
+                                          <p:attrName>style.visibility</p:attrName>
+                                        </p:attrNameLst>
+                                      </p:cBhvr>
+                                      <p:to>
+                                        <p:strVal val="visible"/>
+                                      </p:to>
+                                    </p:set>
+                                  </p:childTnLst>
+                                </p:cTn>
+                              </p:par>
+                            </p:childTnLst>
+                          </p:cTn>
+                        </p:par>
+                      </p:childTnLst>
+                    </p:cTn>
+                  </p:par>
+                  <p:par>
+                    <p:cTn id="23" fill="hold">
+                      <p:stCondLst>
+                        <p:cond delay="indefinite"/>
+                      </p:stCondLst>
+                      <p:childTnLst>
+                        <p:par>
+                          <p:cTn id="24" fill="hold">
+                            <p:stCondLst>
+                              <p:cond delay="0"/>
+                            </p:stCondLst>
+                            <p:childTnLst>
+                              <p:par>
+                                <p:cTn id="25" presetID="1" presetClass="entr" presetSubtype="0" fill="hold" grpId="0" nodeType="clickEffect">
+                                  <p:stCondLst>
+                                    <p:cond delay="0"/>
+                                  </p:stCondLst>
+                                  <p:childTnLst>
+                                    <p:set>
+                                      <p:cBhvr>
+                                        <p:cTn id="26" dur="1" fill="hold">
+                                          <p:stCondLst>
+                                            <p:cond delay="0"/>
+                                          </p:stCondLst>
+                                        </p:cTn>
+                                        <p:tgtEl>
+                                          <p:spTgt spid="3">
+                                            <p:txEl>
+                                              <p:pRg st="5" end="5"/>
+                                            </p:txEl>
+                                          </p:spTgt>
+                                        </p:tgtEl>
+                                        <p:attrNameLst>
+                                          <p:attrName>style.visibility</p:attrName>
+                                        </p:attrNameLst>
+                                      </p:cBhvr>
+                                      <p:to>
+                                        <p:strVal val="visible"/>
+                                      </p:to>
+                                    </p:set>
+                                  </p:childTnLst>
+                                </p:cTn>
+                              </p:par>
+                            </p:childTnLst>
+                          </p:cTn>
+                        </p:par>
+                      </p:childTnLst>
+                    </p:cTn>
+                  </p:par>
+                </p:childTnLst>
+              </p:cTn>
+              <p:prevCondLst>
+                <p:cond evt="onPrev" delay="0">
+                  <p:tgtEl>
+                    <p:sldTgt/>
+                  </p:tgtEl>
+                </p:cond>
+              </p:prevCondLst>
+              <p:nextCondLst>
+                <p:cond evt="onNext" delay="0">
+                  <p:tgtEl>
+                    <p:sldTgt/>
+                  </p:tgtEl>
+                </p:cond>
+              </p:nextCondLst>
+            </p:seq>
+          </p:childTnLst>
+        </p:cTn>
+      </p:par>
+    </p:tnLst>
+    <p:bldLst>
+      <p:bldP spid="3" grpId="0" build="p"/>
+    </p:bldLst>
+  </p:timing>
 </p:sld>
 </file>
 
@@ -11062,6 +13370,434 @@
   <p:clrMapOvr>
     <a:masterClrMapping/>
   </p:clrMapOvr>
+  <p:timing>
+    <p:tnLst>
+      <p:par>
+        <p:cTn id="1" dur="indefinite" restart="never" nodeType="tmRoot">
+          <p:childTnLst>
+            <p:seq concurrent="1" nextAc="seek">
+              <p:cTn id="2" dur="indefinite" nodeType="mainSeq">
+                <p:childTnLst>
+                  <p:par>
+                    <p:cTn id="3" fill="hold">
+                      <p:stCondLst>
+                        <p:cond delay="indefinite"/>
+                      </p:stCondLst>
+                      <p:childTnLst>
+                        <p:par>
+                          <p:cTn id="4" fill="hold">
+                            <p:stCondLst>
+                              <p:cond delay="0"/>
+                            </p:stCondLst>
+                            <p:childTnLst>
+                              <p:par>
+                                <p:cTn id="5" presetID="1" presetClass="entr" presetSubtype="0" fill="hold" grpId="0" nodeType="clickEffect">
+                                  <p:stCondLst>
+                                    <p:cond delay="0"/>
+                                  </p:stCondLst>
+                                  <p:childTnLst>
+                                    <p:set>
+                                      <p:cBhvr>
+                                        <p:cTn id="6" dur="1" fill="hold">
+                                          <p:stCondLst>
+                                            <p:cond delay="0"/>
+                                          </p:stCondLst>
+                                        </p:cTn>
+                                        <p:tgtEl>
+                                          <p:spTgt spid="3">
+                                            <p:txEl>
+                                              <p:pRg st="0" end="0"/>
+                                            </p:txEl>
+                                          </p:spTgt>
+                                        </p:tgtEl>
+                                        <p:attrNameLst>
+                                          <p:attrName>style.visibility</p:attrName>
+                                        </p:attrNameLst>
+                                      </p:cBhvr>
+                                      <p:to>
+                                        <p:strVal val="visible"/>
+                                      </p:to>
+                                    </p:set>
+                                  </p:childTnLst>
+                                </p:cTn>
+                              </p:par>
+                              <p:par>
+                                <p:cTn id="7" presetID="1" presetClass="entr" presetSubtype="0" fill="hold" grpId="0" nodeType="withEffect">
+                                  <p:stCondLst>
+                                    <p:cond delay="0"/>
+                                  </p:stCondLst>
+                                  <p:childTnLst>
+                                    <p:set>
+                                      <p:cBhvr>
+                                        <p:cTn id="8" dur="1" fill="hold">
+                                          <p:stCondLst>
+                                            <p:cond delay="0"/>
+                                          </p:stCondLst>
+                                        </p:cTn>
+                                        <p:tgtEl>
+                                          <p:spTgt spid="3">
+                                            <p:txEl>
+                                              <p:pRg st="1" end="1"/>
+                                            </p:txEl>
+                                          </p:spTgt>
+                                        </p:tgtEl>
+                                        <p:attrNameLst>
+                                          <p:attrName>style.visibility</p:attrName>
+                                        </p:attrNameLst>
+                                      </p:cBhvr>
+                                      <p:to>
+                                        <p:strVal val="visible"/>
+                                      </p:to>
+                                    </p:set>
+                                  </p:childTnLst>
+                                </p:cTn>
+                              </p:par>
+                            </p:childTnLst>
+                          </p:cTn>
+                        </p:par>
+                      </p:childTnLst>
+                    </p:cTn>
+                  </p:par>
+                  <p:par>
+                    <p:cTn id="9" fill="hold">
+                      <p:stCondLst>
+                        <p:cond delay="indefinite"/>
+                      </p:stCondLst>
+                      <p:childTnLst>
+                        <p:par>
+                          <p:cTn id="10" fill="hold">
+                            <p:stCondLst>
+                              <p:cond delay="0"/>
+                            </p:stCondLst>
+                            <p:childTnLst>
+                              <p:par>
+                                <p:cTn id="11" presetID="1" presetClass="entr" presetSubtype="0" fill="hold" grpId="0" nodeType="clickEffect">
+                                  <p:stCondLst>
+                                    <p:cond delay="0"/>
+                                  </p:stCondLst>
+                                  <p:childTnLst>
+                                    <p:set>
+                                      <p:cBhvr>
+                                        <p:cTn id="12" dur="1" fill="hold">
+                                          <p:stCondLst>
+                                            <p:cond delay="0"/>
+                                          </p:stCondLst>
+                                        </p:cTn>
+                                        <p:tgtEl>
+                                          <p:spTgt spid="3">
+                                            <p:txEl>
+                                              <p:pRg st="2" end="2"/>
+                                            </p:txEl>
+                                          </p:spTgt>
+                                        </p:tgtEl>
+                                        <p:attrNameLst>
+                                          <p:attrName>style.visibility</p:attrName>
+                                        </p:attrNameLst>
+                                      </p:cBhvr>
+                                      <p:to>
+                                        <p:strVal val="visible"/>
+                                      </p:to>
+                                    </p:set>
+                                  </p:childTnLst>
+                                </p:cTn>
+                              </p:par>
+                              <p:par>
+                                <p:cTn id="13" presetID="1" presetClass="entr" presetSubtype="0" fill="hold" grpId="0" nodeType="withEffect">
+                                  <p:stCondLst>
+                                    <p:cond delay="0"/>
+                                  </p:stCondLst>
+                                  <p:childTnLst>
+                                    <p:set>
+                                      <p:cBhvr>
+                                        <p:cTn id="14" dur="1" fill="hold">
+                                          <p:stCondLst>
+                                            <p:cond delay="0"/>
+                                          </p:stCondLst>
+                                        </p:cTn>
+                                        <p:tgtEl>
+                                          <p:spTgt spid="3">
+                                            <p:txEl>
+                                              <p:pRg st="3" end="3"/>
+                                            </p:txEl>
+                                          </p:spTgt>
+                                        </p:tgtEl>
+                                        <p:attrNameLst>
+                                          <p:attrName>style.visibility</p:attrName>
+                                        </p:attrNameLst>
+                                      </p:cBhvr>
+                                      <p:to>
+                                        <p:strVal val="visible"/>
+                                      </p:to>
+                                    </p:set>
+                                  </p:childTnLst>
+                                </p:cTn>
+                              </p:par>
+                              <p:par>
+                                <p:cTn id="15" presetID="1" presetClass="entr" presetSubtype="0" fill="hold" grpId="0" nodeType="withEffect">
+                                  <p:stCondLst>
+                                    <p:cond delay="0"/>
+                                  </p:stCondLst>
+                                  <p:childTnLst>
+                                    <p:set>
+                                      <p:cBhvr>
+                                        <p:cTn id="16" dur="1" fill="hold">
+                                          <p:stCondLst>
+                                            <p:cond delay="0"/>
+                                          </p:stCondLst>
+                                        </p:cTn>
+                                        <p:tgtEl>
+                                          <p:spTgt spid="3">
+                                            <p:txEl>
+                                              <p:pRg st="4" end="4"/>
+                                            </p:txEl>
+                                          </p:spTgt>
+                                        </p:tgtEl>
+                                        <p:attrNameLst>
+                                          <p:attrName>style.visibility</p:attrName>
+                                        </p:attrNameLst>
+                                      </p:cBhvr>
+                                      <p:to>
+                                        <p:strVal val="visible"/>
+                                      </p:to>
+                                    </p:set>
+                                  </p:childTnLst>
+                                </p:cTn>
+                              </p:par>
+                              <p:par>
+                                <p:cTn id="17" presetID="1" presetClass="entr" presetSubtype="0" fill="hold" grpId="0" nodeType="withEffect">
+                                  <p:stCondLst>
+                                    <p:cond delay="0"/>
+                                  </p:stCondLst>
+                                  <p:childTnLst>
+                                    <p:set>
+                                      <p:cBhvr>
+                                        <p:cTn id="18" dur="1" fill="hold">
+                                          <p:stCondLst>
+                                            <p:cond delay="0"/>
+                                          </p:stCondLst>
+                                        </p:cTn>
+                                        <p:tgtEl>
+                                          <p:spTgt spid="3">
+                                            <p:txEl>
+                                              <p:pRg st="5" end="5"/>
+                                            </p:txEl>
+                                          </p:spTgt>
+                                        </p:tgtEl>
+                                        <p:attrNameLst>
+                                          <p:attrName>style.visibility</p:attrName>
+                                        </p:attrNameLst>
+                                      </p:cBhvr>
+                                      <p:to>
+                                        <p:strVal val="visible"/>
+                                      </p:to>
+                                    </p:set>
+                                  </p:childTnLst>
+                                </p:cTn>
+                              </p:par>
+                            </p:childTnLst>
+                          </p:cTn>
+                        </p:par>
+                      </p:childTnLst>
+                    </p:cTn>
+                  </p:par>
+                  <p:par>
+                    <p:cTn id="19" fill="hold">
+                      <p:stCondLst>
+                        <p:cond delay="indefinite"/>
+                      </p:stCondLst>
+                      <p:childTnLst>
+                        <p:par>
+                          <p:cTn id="20" fill="hold">
+                            <p:stCondLst>
+                              <p:cond delay="0"/>
+                            </p:stCondLst>
+                            <p:childTnLst>
+                              <p:par>
+                                <p:cTn id="21" presetID="1" presetClass="entr" presetSubtype="0" fill="hold" grpId="0" nodeType="clickEffect">
+                                  <p:stCondLst>
+                                    <p:cond delay="0"/>
+                                  </p:stCondLst>
+                                  <p:childTnLst>
+                                    <p:set>
+                                      <p:cBhvr>
+                                        <p:cTn id="22" dur="1" fill="hold">
+                                          <p:stCondLst>
+                                            <p:cond delay="0"/>
+                                          </p:stCondLst>
+                                        </p:cTn>
+                                        <p:tgtEl>
+                                          <p:spTgt spid="3">
+                                            <p:txEl>
+                                              <p:pRg st="6" end="6"/>
+                                            </p:txEl>
+                                          </p:spTgt>
+                                        </p:tgtEl>
+                                        <p:attrNameLst>
+                                          <p:attrName>style.visibility</p:attrName>
+                                        </p:attrNameLst>
+                                      </p:cBhvr>
+                                      <p:to>
+                                        <p:strVal val="visible"/>
+                                      </p:to>
+                                    </p:set>
+                                  </p:childTnLst>
+                                </p:cTn>
+                              </p:par>
+                              <p:par>
+                                <p:cTn id="23" presetID="1" presetClass="entr" presetSubtype="0" fill="hold" grpId="0" nodeType="withEffect">
+                                  <p:stCondLst>
+                                    <p:cond delay="0"/>
+                                  </p:stCondLst>
+                                  <p:childTnLst>
+                                    <p:set>
+                                      <p:cBhvr>
+                                        <p:cTn id="24" dur="1" fill="hold">
+                                          <p:stCondLst>
+                                            <p:cond delay="0"/>
+                                          </p:stCondLst>
+                                        </p:cTn>
+                                        <p:tgtEl>
+                                          <p:spTgt spid="3">
+                                            <p:txEl>
+                                              <p:pRg st="7" end="7"/>
+                                            </p:txEl>
+                                          </p:spTgt>
+                                        </p:tgtEl>
+                                        <p:attrNameLst>
+                                          <p:attrName>style.visibility</p:attrName>
+                                        </p:attrNameLst>
+                                      </p:cBhvr>
+                                      <p:to>
+                                        <p:strVal val="visible"/>
+                                      </p:to>
+                                    </p:set>
+                                  </p:childTnLst>
+                                </p:cTn>
+                              </p:par>
+                              <p:par>
+                                <p:cTn id="25" presetID="1" presetClass="entr" presetSubtype="0" fill="hold" grpId="0" nodeType="withEffect">
+                                  <p:stCondLst>
+                                    <p:cond delay="0"/>
+                                  </p:stCondLst>
+                                  <p:childTnLst>
+                                    <p:set>
+                                      <p:cBhvr>
+                                        <p:cTn id="26" dur="1" fill="hold">
+                                          <p:stCondLst>
+                                            <p:cond delay="0"/>
+                                          </p:stCondLst>
+                                        </p:cTn>
+                                        <p:tgtEl>
+                                          <p:spTgt spid="3">
+                                            <p:txEl>
+                                              <p:pRg st="8" end="8"/>
+                                            </p:txEl>
+                                          </p:spTgt>
+                                        </p:tgtEl>
+                                        <p:attrNameLst>
+                                          <p:attrName>style.visibility</p:attrName>
+                                        </p:attrNameLst>
+                                      </p:cBhvr>
+                                      <p:to>
+                                        <p:strVal val="visible"/>
+                                      </p:to>
+                                    </p:set>
+                                  </p:childTnLst>
+                                </p:cTn>
+                              </p:par>
+                              <p:par>
+                                <p:cTn id="27" presetID="1" presetClass="entr" presetSubtype="0" fill="hold" grpId="0" nodeType="withEffect">
+                                  <p:stCondLst>
+                                    <p:cond delay="0"/>
+                                  </p:stCondLst>
+                                  <p:childTnLst>
+                                    <p:set>
+                                      <p:cBhvr>
+                                        <p:cTn id="28" dur="1" fill="hold">
+                                          <p:stCondLst>
+                                            <p:cond delay="0"/>
+                                          </p:stCondLst>
+                                        </p:cTn>
+                                        <p:tgtEl>
+                                          <p:spTgt spid="3">
+                                            <p:txEl>
+                                              <p:pRg st="9" end="9"/>
+                                            </p:txEl>
+                                          </p:spTgt>
+                                        </p:tgtEl>
+                                        <p:attrNameLst>
+                                          <p:attrName>style.visibility</p:attrName>
+                                        </p:attrNameLst>
+                                      </p:cBhvr>
+                                      <p:to>
+                                        <p:strVal val="visible"/>
+                                      </p:to>
+                                    </p:set>
+                                  </p:childTnLst>
+                                </p:cTn>
+                              </p:par>
+                              <p:par>
+                                <p:cTn id="29" presetID="1" presetClass="entr" presetSubtype="0" fill="hold" grpId="0" nodeType="withEffect">
+                                  <p:stCondLst>
+                                    <p:cond delay="0"/>
+                                  </p:stCondLst>
+                                  <p:childTnLst>
+                                    <p:set>
+                                      <p:cBhvr>
+                                        <p:cTn id="30" dur="1" fill="hold">
+                                          <p:stCondLst>
+                                            <p:cond delay="0"/>
+                                          </p:stCondLst>
+                                        </p:cTn>
+                                        <p:tgtEl>
+                                          <p:spTgt spid="3">
+                                            <p:txEl>
+                                              <p:pRg st="10" end="10"/>
+                                            </p:txEl>
+                                          </p:spTgt>
+                                        </p:tgtEl>
+                                        <p:attrNameLst>
+                                          <p:attrName>style.visibility</p:attrName>
+                                        </p:attrNameLst>
+                                      </p:cBhvr>
+                                      <p:to>
+                                        <p:strVal val="visible"/>
+                                      </p:to>
+                                    </p:set>
+                                  </p:childTnLst>
+                                </p:cTn>
+                              </p:par>
+                            </p:childTnLst>
+                          </p:cTn>
+                        </p:par>
+                      </p:childTnLst>
+                    </p:cTn>
+                  </p:par>
+                </p:childTnLst>
+              </p:cTn>
+              <p:prevCondLst>
+                <p:cond evt="onPrev" delay="0">
+                  <p:tgtEl>
+                    <p:sldTgt/>
+                  </p:tgtEl>
+                </p:cond>
+              </p:prevCondLst>
+              <p:nextCondLst>
+                <p:cond evt="onNext" delay="0">
+                  <p:tgtEl>
+                    <p:sldTgt/>
+                  </p:tgtEl>
+                </p:cond>
+              </p:nextCondLst>
+            </p:seq>
+          </p:childTnLst>
+        </p:cTn>
+      </p:par>
+    </p:tnLst>
+    <p:bldLst>
+      <p:bldP spid="3" grpId="0" build="p"/>
+    </p:bldLst>
+  </p:timing>
 </p:sld>
 </file>
 
@@ -11799,7 +14535,7 @@
           <a:p>
             <a:r>
               <a:rPr lang="en-US" dirty="0"/>
-              <a:t>Exemplar Rubric</a:t>
+              <a:t>Exemplar Rubric: "Give me an algorithm…"</a:t>
             </a:r>
           </a:p>
         </p:txBody>
